--- a/opy/Vortrag/OLEDS.pptx
+++ b/opy/Vortrag/OLEDS.pptx
@@ -5,7 +5,7 @@
     <p:sldMasterId id="2147483660" r:id="rId1"/>
   </p:sldMasterIdLst>
   <p:notesMasterIdLst>
-    <p:notesMasterId r:id="rId10"/>
+    <p:notesMasterId r:id="rId15"/>
   </p:notesMasterIdLst>
   <p:sldIdLst>
     <p:sldId id="256" r:id="rId2"/>
@@ -15,7 +15,12 @@
     <p:sldId id="260" r:id="rId6"/>
     <p:sldId id="262" r:id="rId7"/>
     <p:sldId id="264" r:id="rId8"/>
-    <p:sldId id="261" r:id="rId9"/>
+    <p:sldId id="265" r:id="rId9"/>
+    <p:sldId id="266" r:id="rId10"/>
+    <p:sldId id="267" r:id="rId11"/>
+    <p:sldId id="268" r:id="rId12"/>
+    <p:sldId id="269" r:id="rId13"/>
+    <p:sldId id="261" r:id="rId14"/>
   </p:sldIdLst>
   <p:sldSz cx="12192000" cy="6858000"/>
   <p:notesSz cx="6858000" cy="9144000"/>
@@ -114,6 +119,11 @@
       </a:defRPr>
     </a:lvl9pPr>
   </p:defaultTextStyle>
+  <p:extLst>
+    <p:ext uri="{EFAFB233-063F-42B5-8137-9DF3F51BA10A}">
+      <p15:sldGuideLst xmlns:p15="http://schemas.microsoft.com/office/powerpoint/2012/main"/>
+    </p:ext>
+  </p:extLst>
 </p:presentation>
 </file>
 
@@ -199,7 +209,7 @@
           <a:p>
             <a:fld id="{7F528052-6392-41D1-AB5A-318ED97A17D5}" type="datetimeFigureOut">
               <a:rPr lang="de-DE" smtClean="0"/>
-              <a:t>16.12.2018</a:t>
+              <a:t>24.12.2018</a:t>
             </a:fld>
             <a:endParaRPr lang="de-DE"/>
           </a:p>
@@ -1675,9 +1685,9 @@
             </a:lvl1pPr>
           </a:lstStyle>
           <a:p>
-            <a:fld id="{3A036798-C5C7-46E2-8DC8-8E6F71A2EE80}" type="datetime1">
+            <a:fld id="{077CE0C2-CD7E-46EE-9E82-2871AA636D40}" type="datetime1">
               <a:rPr lang="en-US" smtClean="0"/>
-              <a:t>12/16/2018</a:t>
+              <a:t>12/24/2018</a:t>
             </a:fld>
             <a:endParaRPr lang="en-US" dirty="0"/>
           </a:p>
@@ -1715,7 +1725,7 @@
           <a:p>
             <a:r>
               <a:rPr lang="en-US"/>
-              <a:t>1. Organische Molekulare Festkörper, Markus Schwoerer und Hans Christoph Wolf, 2005, Wiley-VCH</a:t>
+              <a:t>Physics of Organic Semiconductors, Wolfgang Brütting, 2005, Wiley-VCH;  2. Molecular Orbital Analysis of Ethene Dimerisation, Dr. Ian Hunt, University of Calgary, http://www.chem.ucalgary.ca/courses/351/Carey5th/Ch10/ch10-6-4.html</a:t>
             </a:r>
             <a:endParaRPr lang="en-US" dirty="0"/>
           </a:p>
@@ -1918,9 +1928,9 @@
           <a:bodyPr/>
           <a:lstStyle/>
           <a:p>
-            <a:fld id="{F3DFC717-81B3-4FB0-A641-B42A367C0352}" type="datetime1">
+            <a:fld id="{C0CD3275-DF73-4AE2-A4E2-D74AB3C60822}" type="datetime1">
               <a:rPr lang="en-US" smtClean="0"/>
-              <a:t>12/16/2018</a:t>
+              <a:t>12/24/2018</a:t>
             </a:fld>
             <a:endParaRPr lang="en-US" dirty="0"/>
           </a:p>
@@ -1943,7 +1953,7 @@
           <a:p>
             <a:r>
               <a:rPr lang="en-US"/>
-              <a:t>1. Organische Molekulare Festkörper, Markus Schwoerer und Hans Christoph Wolf, 2005, Wiley-VCH</a:t>
+              <a:t>Physics of Organic Semiconductors, Wolfgang Brütting, 2005, Wiley-VCH;  2. Molecular Orbital Analysis of Ethene Dimerisation, Dr. Ian Hunt, University of Calgary, http://www.chem.ucalgary.ca/courses/351/Carey5th/Ch10/ch10-6-4.html</a:t>
             </a:r>
             <a:endParaRPr lang="en-US" dirty="0"/>
           </a:p>
@@ -2102,9 +2112,9 @@
           <a:bodyPr/>
           <a:lstStyle/>
           <a:p>
-            <a:fld id="{454EC271-28FA-4D4D-B8EF-61D33A0CA31B}" type="datetime1">
+            <a:fld id="{09F9F262-7569-4560-9D67-EAB30866BF23}" type="datetime1">
               <a:rPr lang="en-US" smtClean="0"/>
-              <a:t>12/16/2018</a:t>
+              <a:t>12/24/2018</a:t>
             </a:fld>
             <a:endParaRPr lang="en-US" dirty="0"/>
           </a:p>
@@ -2127,7 +2137,7 @@
           <a:p>
             <a:r>
               <a:rPr lang="en-US"/>
-              <a:t>1. Organische Molekulare Festkörper, Markus Schwoerer und Hans Christoph Wolf, 2005, Wiley-VCH</a:t>
+              <a:t>Physics of Organic Semiconductors, Wolfgang Brütting, 2005, Wiley-VCH;  2. Molecular Orbital Analysis of Ethene Dimerisation, Dr. Ian Hunt, University of Calgary, http://www.chem.ucalgary.ca/courses/351/Carey5th/Ch10/ch10-6-4.html</a:t>
             </a:r>
             <a:endParaRPr lang="en-US" dirty="0"/>
           </a:p>
@@ -2271,14 +2281,19 @@
             <p:ph type="dt" sz="half" idx="10"/>
           </p:nvPr>
         </p:nvSpPr>
-        <p:spPr/>
+        <p:spPr>
+          <a:xfrm>
+            <a:off x="1251678" y="6375679"/>
+            <a:ext cx="915173" cy="348462"/>
+          </a:xfrm>
+        </p:spPr>
         <p:txBody>
           <a:bodyPr/>
           <a:lstStyle/>
           <a:p>
-            <a:fld id="{63C50EDF-62A1-4F25-88A6-7D58787E4725}" type="datetime1">
+            <a:fld id="{38644D27-E5AA-4646-BC6D-7BC27F83B8B7}" type="datetime1">
               <a:rPr lang="en-US" smtClean="0"/>
-              <a:t>12/16/2018</a:t>
+              <a:t>12/24/2018</a:t>
             </a:fld>
             <a:endParaRPr lang="en-US" dirty="0"/>
           </a:p>
@@ -2294,14 +2309,19 @@
             <p:ph type="ftr" sz="quarter" idx="11"/>
           </p:nvPr>
         </p:nvSpPr>
-        <p:spPr/>
+        <p:spPr>
+          <a:xfrm>
+            <a:off x="2244436" y="6291076"/>
+            <a:ext cx="8454044" cy="430399"/>
+          </a:xfrm>
+        </p:spPr>
         <p:txBody>
           <a:bodyPr/>
           <a:lstStyle/>
           <a:p>
             <a:r>
               <a:rPr lang="en-US"/>
-              <a:t>1. Organische Molekulare Festkörper, Markus Schwoerer und Hans Christoph Wolf, 2005, Wiley-VCH</a:t>
+              <a:t>Physics of Organic Semiconductors, Wolfgang Brütting, 2005, Wiley-VCH;  2. Molecular Orbital Analysis of Ethene Dimerisation, Dr. Ian Hunt, University of Calgary, http://www.chem.ucalgary.ca/courses/351/Carey5th/Ch10/ch10-6-4.html</a:t>
             </a:r>
             <a:endParaRPr lang="en-US" dirty="0"/>
           </a:p>
@@ -2317,7 +2337,12 @@
             <p:ph type="sldNum" sz="quarter" idx="12"/>
           </p:nvPr>
         </p:nvSpPr>
-        <p:spPr/>
+        <p:spPr>
+          <a:xfrm>
+            <a:off x="10798232" y="6375679"/>
+            <a:ext cx="631767" cy="345796"/>
+          </a:xfrm>
+        </p:spPr>
         <p:txBody>
           <a:bodyPr/>
           <a:lstStyle/>
@@ -2553,9 +2578,9 @@
             </a:lvl1pPr>
           </a:lstStyle>
           <a:p>
-            <a:fld id="{E6E66E8C-2D09-4D52-BB2C-68F416DDEE29}" type="datetime1">
+            <a:fld id="{195A0D06-4CBC-4B86-BF7D-4608A498FBA4}" type="datetime1">
               <a:rPr lang="en-US" smtClean="0"/>
-              <a:t>12/16/2018</a:t>
+              <a:t>12/24/2018</a:t>
             </a:fld>
             <a:endParaRPr lang="en-US" dirty="0"/>
           </a:p>
@@ -2591,7 +2616,7 @@
           <a:p>
             <a:r>
               <a:rPr lang="en-US"/>
-              <a:t>1. Organische Molekulare Festkörper, Markus Schwoerer und Hans Christoph Wolf, 2005, Wiley-VCH</a:t>
+              <a:t>Physics of Organic Semiconductors, Wolfgang Brütting, 2005, Wiley-VCH;  2. Molecular Orbital Analysis of Ethene Dimerisation, Dr. Ian Hunt, University of Calgary, http://www.chem.ucalgary.ca/courses/351/Carey5th/Ch10/ch10-6-4.html</a:t>
             </a:r>
             <a:endParaRPr lang="en-US" dirty="0"/>
           </a:p>
@@ -3759,9 +3784,9 @@
           <a:bodyPr/>
           <a:lstStyle/>
           <a:p>
-            <a:fld id="{B1EFAD57-8BCC-4691-9AF5-963F9B130170}" type="datetime1">
+            <a:fld id="{A1B120EE-DB65-4C13-9A5E-9D21B02DB06A}" type="datetime1">
               <a:rPr lang="en-US" smtClean="0"/>
-              <a:t>12/16/2018</a:t>
+              <a:t>12/24/2018</a:t>
             </a:fld>
             <a:endParaRPr lang="en-US" dirty="0"/>
           </a:p>
@@ -3784,7 +3809,7 @@
           <a:p>
             <a:r>
               <a:rPr lang="en-US"/>
-              <a:t>1. Organische Molekulare Festkörper, Markus Schwoerer und Hans Christoph Wolf, 2005, Wiley-VCH</a:t>
+              <a:t>Physics of Organic Semiconductors, Wolfgang Brütting, 2005, Wiley-VCH;  2. Molecular Orbital Analysis of Ethene Dimerisation, Dr. Ian Hunt, University of Calgary, http://www.chem.ucalgary.ca/courses/351/Carey5th/Ch10/ch10-6-4.html</a:t>
             </a:r>
             <a:endParaRPr lang="en-US" dirty="0"/>
           </a:p>
@@ -4153,9 +4178,9 @@
           <a:bodyPr/>
           <a:lstStyle/>
           <a:p>
-            <a:fld id="{8560643B-570C-4C16-A68D-66A53808E2A5}" type="datetime1">
+            <a:fld id="{A37E1205-51FE-436F-818A-E1B0CA9D2D41}" type="datetime1">
               <a:rPr lang="en-US" smtClean="0"/>
-              <a:t>12/16/2018</a:t>
+              <a:t>12/24/2018</a:t>
             </a:fld>
             <a:endParaRPr lang="en-US" dirty="0"/>
           </a:p>
@@ -4178,7 +4203,7 @@
           <a:p>
             <a:r>
               <a:rPr lang="en-US"/>
-              <a:t>1. Organische Molekulare Festkörper, Markus Schwoerer und Hans Christoph Wolf, 2005, Wiley-VCH</a:t>
+              <a:t>Physics of Organic Semiconductors, Wolfgang Brütting, 2005, Wiley-VCH;  2. Molecular Orbital Analysis of Ethene Dimerisation, Dr. Ian Hunt, University of Calgary, http://www.chem.ucalgary.ca/courses/351/Carey5th/Ch10/ch10-6-4.html</a:t>
             </a:r>
             <a:endParaRPr lang="en-US" dirty="0"/>
           </a:p>
@@ -4280,9 +4305,9 @@
           <a:bodyPr/>
           <a:lstStyle/>
           <a:p>
-            <a:fld id="{E9A9F187-4901-4B11-82F2-4195E26F90D7}" type="datetime1">
+            <a:fld id="{22536368-4F27-43E1-B367-4FE9AE56A9B9}" type="datetime1">
               <a:rPr lang="en-US" smtClean="0"/>
-              <a:t>12/16/2018</a:t>
+              <a:t>12/24/2018</a:t>
             </a:fld>
             <a:endParaRPr lang="en-US" dirty="0"/>
           </a:p>
@@ -4305,7 +4330,7 @@
           <a:p>
             <a:r>
               <a:rPr lang="en-US"/>
-              <a:t>1. Organische Molekulare Festkörper, Markus Schwoerer und Hans Christoph Wolf, 2005, Wiley-VCH</a:t>
+              <a:t>Physics of Organic Semiconductors, Wolfgang Brütting, 2005, Wiley-VCH;  2. Molecular Orbital Analysis of Ethene Dimerisation, Dr. Ian Hunt, University of Calgary, http://www.chem.ucalgary.ca/courses/351/Carey5th/Ch10/ch10-6-4.html</a:t>
             </a:r>
             <a:endParaRPr lang="en-US" dirty="0"/>
           </a:p>
@@ -4379,9 +4404,9 @@
           <a:bodyPr/>
           <a:lstStyle/>
           <a:p>
-            <a:fld id="{77B2FA16-D605-44FF-9141-33EC186ED5FF}" type="datetime1">
+            <a:fld id="{A32B43C5-58E1-4AED-B953-84FF37A8350D}" type="datetime1">
               <a:rPr lang="en-US" smtClean="0"/>
-              <a:t>12/16/2018</a:t>
+              <a:t>12/24/2018</a:t>
             </a:fld>
             <a:endParaRPr lang="en-US" dirty="0"/>
           </a:p>
@@ -4404,7 +4429,7 @@
           <a:p>
             <a:r>
               <a:rPr lang="en-US"/>
-              <a:t>1. Organische Molekulare Festkörper, Markus Schwoerer und Hans Christoph Wolf, 2005, Wiley-VCH</a:t>
+              <a:t>Physics of Organic Semiconductors, Wolfgang Brütting, 2005, Wiley-VCH;  2. Molecular Orbital Analysis of Ethene Dimerisation, Dr. Ian Hunt, University of Calgary, http://www.chem.ucalgary.ca/courses/351/Carey5th/Ch10/ch10-6-4.html</a:t>
             </a:r>
             <a:endParaRPr lang="en-US" dirty="0"/>
           </a:p>
@@ -5146,9 +5171,9 @@
           <a:bodyPr/>
           <a:lstStyle/>
           <a:p>
-            <a:fld id="{55607189-AF0B-4849-94AF-C9D3CA868C37}" type="datetime1">
+            <a:fld id="{62C37006-D4A1-4A74-9A2B-C441C0027790}" type="datetime1">
               <a:rPr lang="en-US" smtClean="0"/>
-              <a:t>12/16/2018</a:t>
+              <a:t>12/24/2018</a:t>
             </a:fld>
             <a:endParaRPr lang="en-US" dirty="0"/>
           </a:p>
@@ -5176,7 +5201,7 @@
           <a:p>
             <a:r>
               <a:rPr lang="en-US"/>
-              <a:t>1. Organische Molekulare Festkörper, Markus Schwoerer und Hans Christoph Wolf, 2005, Wiley-VCH</a:t>
+              <a:t>Physics of Organic Semiconductors, Wolfgang Brütting, 2005, Wiley-VCH;  2. Molecular Orbital Analysis of Ethene Dimerisation, Dr. Ian Hunt, University of Calgary, http://www.chem.ucalgary.ca/courses/351/Carey5th/Ch10/ch10-6-4.html</a:t>
             </a:r>
             <a:endParaRPr lang="en-US" dirty="0"/>
           </a:p>
@@ -5990,9 +6015,9 @@
           <a:bodyPr/>
           <a:lstStyle/>
           <a:p>
-            <a:fld id="{D9B84E1E-9B91-42AB-9261-55BF0DD3760C}" type="datetime1">
+            <a:fld id="{15A2D656-EEF5-4535-9203-CBB96E2CB4DC}" type="datetime1">
               <a:rPr lang="en-US" smtClean="0"/>
-              <a:t>12/16/2018</a:t>
+              <a:t>12/24/2018</a:t>
             </a:fld>
             <a:endParaRPr lang="en-US" dirty="0"/>
           </a:p>
@@ -6020,7 +6045,7 @@
           <a:p>
             <a:r>
               <a:rPr lang="en-US"/>
-              <a:t>1. Organische Molekulare Festkörper, Markus Schwoerer und Hans Christoph Wolf, 2005, Wiley-VCH</a:t>
+              <a:t>Physics of Organic Semiconductors, Wolfgang Brütting, 2005, Wiley-VCH;  2. Molecular Orbital Analysis of Ethene Dimerisation, Dr. Ian Hunt, University of Calgary, http://www.chem.ucalgary.ca/courses/351/Carey5th/Ch10/ch10-6-4.html</a:t>
             </a:r>
             <a:endParaRPr lang="en-US" dirty="0"/>
           </a:p>
@@ -6221,9 +6246,9 @@
             </a:lvl1pPr>
           </a:lstStyle>
           <a:p>
-            <a:fld id="{88145B61-454F-414C-AEBE-F22B776FBF8D}" type="datetime1">
+            <a:fld id="{C9E128DF-6F8B-4A84-85B8-423FB5F48DA9}" type="datetime1">
               <a:rPr lang="en-US" smtClean="0"/>
-              <a:t>12/16/2018</a:t>
+              <a:t>12/24/2018</a:t>
             </a:fld>
             <a:endParaRPr lang="en-US" dirty="0"/>
           </a:p>
@@ -6265,7 +6290,7 @@
           <a:p>
             <a:r>
               <a:rPr lang="en-US"/>
-              <a:t>1. Organische Molekulare Festkörper, Markus Schwoerer und Hans Christoph Wolf, 2005, Wiley-VCH</a:t>
+              <a:t>Physics of Organic Semiconductors, Wolfgang Brütting, 2005, Wiley-VCH;  2. Molecular Orbital Analysis of Ethene Dimerisation, Dr. Ian Hunt, University of Calgary, http://www.chem.ucalgary.ca/courses/351/Carey5th/Ch10/ch10-6-4.html</a:t>
             </a:r>
             <a:endParaRPr lang="en-US" dirty="0"/>
           </a:p>
@@ -6837,7 +6862,7 @@
     <p:sldLayoutId id="2147483670" r:id="rId10"/>
     <p:sldLayoutId id="2147483671" r:id="rId11"/>
   </p:sldLayoutIdLst>
-  <p:hf hdr="0" ftr="0" dt="0"/>
+  <p:hf hdr="0" dt="0"/>
   <p:txStyles>
     <p:titleStyle>
       <a:lvl1pPr algn="l" defTabSz="914400" rtl="0" eaLnBrk="1" latinLnBrk="0" hangingPunct="1">
@@ -7297,12 +7322,135 @@
           </a:p>
         </p:txBody>
       </p:sp>
+    </p:spTree>
+    <p:extLst>
+      <p:ext uri="{BB962C8B-B14F-4D97-AF65-F5344CB8AC3E}">
+        <p14:creationId xmlns:p14="http://schemas.microsoft.com/office/powerpoint/2010/main" val="1182064652"/>
+      </p:ext>
+    </p:extLst>
+  </p:cSld>
+  <p:clrMapOvr>
+    <a:masterClrMapping/>
+  </p:clrMapOvr>
+</p:sld>
+</file>
+
+<file path=ppt/slides/slide10.xml><?xml version="1.0" encoding="utf-8"?>
+<p:sld xmlns:a="http://schemas.openxmlformats.org/drawingml/2006/main" xmlns:r="http://schemas.openxmlformats.org/officeDocument/2006/relationships" xmlns:p="http://schemas.openxmlformats.org/presentationml/2006/main">
+  <p:cSld>
+    <p:spTree>
+      <p:nvGrpSpPr>
+        <p:cNvPr id="1" name=""/>
+        <p:cNvGrpSpPr/>
+        <p:nvPr/>
+      </p:nvGrpSpPr>
+      <p:grpSpPr>
+        <a:xfrm>
+          <a:off x="0" y="0"/>
+          <a:ext cx="0" cy="0"/>
+          <a:chOff x="0" y="0"/>
+          <a:chExt cx="0" cy="0"/>
+        </a:xfrm>
+      </p:grpSpPr>
+      <p:sp>
+        <p:nvSpPr>
+          <p:cNvPr id="2" name="Titel 1">
+            <a:extLst>
+              <a:ext uri="{FF2B5EF4-FFF2-40B4-BE49-F238E27FC236}">
+                <a16:creationId xmlns:a16="http://schemas.microsoft.com/office/drawing/2014/main" id="{776C9C8A-FC35-40EF-BA86-14F53C21B4C8}"/>
+              </a:ext>
+            </a:extLst>
+          </p:cNvPr>
+          <p:cNvSpPr>
+            <a:spLocks noGrp="1"/>
+          </p:cNvSpPr>
+          <p:nvPr>
+            <p:ph type="title"/>
+          </p:nvPr>
+        </p:nvSpPr>
+        <p:spPr/>
+        <p:txBody>
+          <a:bodyPr/>
+          <a:lstStyle/>
+          <a:p>
+            <a:pPr algn="ctr"/>
+            <a:r>
+              <a:rPr lang="de-DE" dirty="0"/>
+              <a:t>Anregungszustände</a:t>
+            </a:r>
+          </a:p>
+        </p:txBody>
+      </p:sp>
+      <p:sp>
+        <p:nvSpPr>
+          <p:cNvPr id="4" name="Fußzeilenplatzhalter 3">
+            <a:extLst>
+              <a:ext uri="{FF2B5EF4-FFF2-40B4-BE49-F238E27FC236}">
+                <a16:creationId xmlns:a16="http://schemas.microsoft.com/office/drawing/2014/main" id="{D67A5FE6-D37E-4C50-BE3C-A8A3C7C5949F}"/>
+              </a:ext>
+            </a:extLst>
+          </p:cNvPr>
+          <p:cNvSpPr>
+            <a:spLocks noGrp="1"/>
+          </p:cNvSpPr>
+          <p:nvPr>
+            <p:ph type="ftr" sz="quarter" idx="11"/>
+          </p:nvPr>
+        </p:nvSpPr>
+        <p:spPr/>
+        <p:txBody>
+          <a:bodyPr/>
+          <a:lstStyle/>
+          <a:p>
+            <a:r>
+              <a:rPr lang="en-US" dirty="0" err="1"/>
+              <a:t>Nach</a:t>
+            </a:r>
+            <a:r>
+              <a:rPr lang="en-US" dirty="0"/>
+              <a:t>: </a:t>
+            </a:r>
+            <a:r>
+              <a:rPr lang="en-US" dirty="0" err="1"/>
+              <a:t>Organische</a:t>
+            </a:r>
+            <a:r>
+              <a:rPr lang="en-US" dirty="0"/>
+              <a:t> </a:t>
+            </a:r>
+            <a:r>
+              <a:rPr lang="en-US" dirty="0" err="1"/>
+              <a:t>Molekulare</a:t>
+            </a:r>
+            <a:r>
+              <a:rPr lang="en-US" dirty="0"/>
+              <a:t> </a:t>
+            </a:r>
+            <a:r>
+              <a:rPr lang="en-US" dirty="0" err="1"/>
+              <a:t>Festkörper</a:t>
+            </a:r>
+            <a:r>
+              <a:rPr lang="en-US" dirty="0"/>
+              <a:t>, Markus </a:t>
+            </a:r>
+            <a:r>
+              <a:rPr lang="en-US" dirty="0" err="1"/>
+              <a:t>Schwoerer</a:t>
+            </a:r>
+            <a:r>
+              <a:rPr lang="en-US" dirty="0"/>
+              <a:t> und Hans Christoph Wolf, 2005, WILEY-VCH</a:t>
+            </a:r>
+          </a:p>
+        </p:txBody>
+      </p:sp>
       <p:sp>
         <p:nvSpPr>
           <p:cNvPr id="5" name="Foliennummernplatzhalter 4">
             <a:extLst>
               <a:ext uri="{FF2B5EF4-FFF2-40B4-BE49-F238E27FC236}">
-                <a16:creationId xmlns:a16="http://schemas.microsoft.com/office/drawing/2014/main" id="{FED598F5-B8DC-475F-9D84-47B9C1750F1D}"/>
+                <a16:creationId xmlns:a16="http://schemas.microsoft.com/office/drawing/2014/main" id="{A8BE1BCC-F368-4035-A06E-1C77659C75E5}"/>
               </a:ext>
             </a:extLst>
           </p:cNvPr>
@@ -7320,17 +7468,2532 @@
           <a:p>
             <a:fld id="{71766878-3199-4EAB-94E7-2D6D11070E14}" type="slidenum">
               <a:rPr lang="en-US" smtClean="0"/>
-              <a:pPr/>
-              <a:t>1</a:t>
+              <a:t>10</a:t>
             </a:fld>
             <a:endParaRPr lang="en-US" dirty="0"/>
+          </a:p>
+        </p:txBody>
+      </p:sp>
+      <p:grpSp>
+        <p:nvGrpSpPr>
+          <p:cNvPr id="20" name="Gruppieren 19">
+            <a:extLst>
+              <a:ext uri="{FF2B5EF4-FFF2-40B4-BE49-F238E27FC236}">
+                <a16:creationId xmlns:a16="http://schemas.microsoft.com/office/drawing/2014/main" id="{05CC1F92-C21E-47BC-96B7-EB25239D9DAC}"/>
+              </a:ext>
+            </a:extLst>
+          </p:cNvPr>
+          <p:cNvGrpSpPr/>
+          <p:nvPr/>
+        </p:nvGrpSpPr>
+        <p:grpSpPr>
+          <a:xfrm>
+            <a:off x="2580221" y="1843595"/>
+            <a:ext cx="7521236" cy="3170810"/>
+            <a:chOff x="2580221" y="2089401"/>
+            <a:chExt cx="7521236" cy="3170810"/>
+          </a:xfrm>
+        </p:grpSpPr>
+        <p:pic>
+          <p:nvPicPr>
+            <p:cNvPr id="24" name="Grafik 23">
+              <a:extLst>
+                <a:ext uri="{FF2B5EF4-FFF2-40B4-BE49-F238E27FC236}">
+                  <a16:creationId xmlns:a16="http://schemas.microsoft.com/office/drawing/2014/main" id="{AAF932F7-7C24-4909-ABE0-7A15DDE6F7D8}"/>
+                </a:ext>
+              </a:extLst>
+            </p:cNvPr>
+            <p:cNvPicPr>
+              <a:picLocks noChangeAspect="1"/>
+            </p:cNvPicPr>
+            <p:nvPr/>
+          </p:nvPicPr>
+          <p:blipFill>
+            <a:blip r:embed="rId2">
+              <a:extLst>
+                <a:ext uri="{96DAC541-7B7A-43D3-8B79-37D633B846F1}">
+                  <asvg:svgBlip xmlns:asvg="http://schemas.microsoft.com/office/drawing/2016/SVG/main" r:embed="rId3"/>
+                </a:ext>
+              </a:extLst>
+            </a:blip>
+            <a:stretch>
+              <a:fillRect/>
+            </a:stretch>
+          </p:blipFill>
+          <p:spPr>
+            <a:xfrm>
+              <a:off x="2580221" y="2089401"/>
+              <a:ext cx="7323029" cy="3051262"/>
+            </a:xfrm>
+            <a:prstGeom prst="rect">
+              <a:avLst/>
+            </a:prstGeom>
+          </p:spPr>
+        </p:pic>
+        <p:sp>
+          <p:nvSpPr>
+            <p:cNvPr id="3" name="Textfeld 2">
+              <a:extLst>
+                <a:ext uri="{FF2B5EF4-FFF2-40B4-BE49-F238E27FC236}">
+                  <a16:creationId xmlns:a16="http://schemas.microsoft.com/office/drawing/2014/main" id="{B53E2D04-D621-4FC3-8E0B-CE74705314A4}"/>
+                </a:ext>
+              </a:extLst>
+            </p:cNvPr>
+            <p:cNvSpPr txBox="1"/>
+            <p:nvPr/>
+          </p:nvSpPr>
+          <p:spPr>
+            <a:xfrm>
+              <a:off x="2580221" y="2089401"/>
+              <a:ext cx="268928" cy="523220"/>
+            </a:xfrm>
+            <a:prstGeom prst="rect">
+              <a:avLst/>
+            </a:prstGeom>
+            <a:noFill/>
+          </p:spPr>
+          <p:txBody>
+            <a:bodyPr wrap="square" rtlCol="0">
+              <a:spAutoFit/>
+            </a:bodyPr>
+            <a:lstStyle/>
+            <a:p>
+              <a:r>
+                <a:rPr lang="de-DE" sz="2800" dirty="0"/>
+                <a:t>E</a:t>
+              </a:r>
+            </a:p>
+          </p:txBody>
+        </p:sp>
+        <p:sp>
+          <p:nvSpPr>
+            <p:cNvPr id="7" name="Textfeld 6">
+              <a:extLst>
+                <a:ext uri="{FF2B5EF4-FFF2-40B4-BE49-F238E27FC236}">
+                  <a16:creationId xmlns:a16="http://schemas.microsoft.com/office/drawing/2014/main" id="{82C0CB7C-F1C8-414E-8C4C-3232BFD87B89}"/>
+                </a:ext>
+              </a:extLst>
+            </p:cNvPr>
+            <p:cNvSpPr txBox="1"/>
+            <p:nvPr/>
+          </p:nvSpPr>
+          <p:spPr>
+            <a:xfrm rot="16200000">
+              <a:off x="3501837" y="3747411"/>
+              <a:ext cx="1657336" cy="461665"/>
+            </a:xfrm>
+            <a:prstGeom prst="rect">
+              <a:avLst/>
+            </a:prstGeom>
+            <a:noFill/>
+          </p:spPr>
+          <p:txBody>
+            <a:bodyPr wrap="square" rtlCol="0">
+              <a:spAutoFit/>
+            </a:bodyPr>
+            <a:lstStyle/>
+            <a:p>
+              <a:r>
+                <a:rPr lang="de-DE" sz="2400" dirty="0">
+                  <a:solidFill>
+                    <a:schemeClr val="accent1"/>
+                  </a:solidFill>
+                </a:rPr>
+                <a:t>Absorption</a:t>
+              </a:r>
+              <a:endParaRPr lang="de-DE" sz="2000" dirty="0">
+                <a:solidFill>
+                  <a:schemeClr val="accent1"/>
+                </a:solidFill>
+              </a:endParaRPr>
+            </a:p>
+          </p:txBody>
+        </p:sp>
+        <p:sp>
+          <p:nvSpPr>
+            <p:cNvPr id="9" name="Textfeld 8">
+              <a:extLst>
+                <a:ext uri="{FF2B5EF4-FFF2-40B4-BE49-F238E27FC236}">
+                  <a16:creationId xmlns:a16="http://schemas.microsoft.com/office/drawing/2014/main" id="{FAB93EDB-328F-489D-9BBB-AA7757D436BE}"/>
+                </a:ext>
+              </a:extLst>
+            </p:cNvPr>
+            <p:cNvSpPr txBox="1"/>
+            <p:nvPr/>
+          </p:nvSpPr>
+          <p:spPr>
+            <a:xfrm rot="16200000">
+              <a:off x="4125823" y="3711525"/>
+              <a:ext cx="1729109" cy="461665"/>
+            </a:xfrm>
+            <a:prstGeom prst="rect">
+              <a:avLst/>
+            </a:prstGeom>
+            <a:noFill/>
+          </p:spPr>
+          <p:txBody>
+            <a:bodyPr wrap="square" rtlCol="0">
+              <a:spAutoFit/>
+            </a:bodyPr>
+            <a:lstStyle/>
+            <a:p>
+              <a:r>
+                <a:rPr lang="de-DE" sz="2400" dirty="0">
+                  <a:solidFill>
+                    <a:schemeClr val="accent3"/>
+                  </a:solidFill>
+                </a:rPr>
+                <a:t>Fluoreszenz</a:t>
+              </a:r>
+              <a:endParaRPr lang="de-DE" sz="2000" dirty="0">
+                <a:solidFill>
+                  <a:schemeClr val="accent3"/>
+                </a:solidFill>
+              </a:endParaRPr>
+            </a:p>
+          </p:txBody>
+        </p:sp>
+        <p:sp>
+          <p:nvSpPr>
+            <p:cNvPr id="10" name="Textfeld 9">
+              <a:extLst>
+                <a:ext uri="{FF2B5EF4-FFF2-40B4-BE49-F238E27FC236}">
+                  <a16:creationId xmlns:a16="http://schemas.microsoft.com/office/drawing/2014/main" id="{BBA815B7-92A2-4866-A106-6082F965FA46}"/>
+                </a:ext>
+              </a:extLst>
+            </p:cNvPr>
+            <p:cNvSpPr txBox="1"/>
+            <p:nvPr/>
+          </p:nvSpPr>
+          <p:spPr>
+            <a:xfrm rot="16200000">
+              <a:off x="4950821" y="3750691"/>
+              <a:ext cx="1658315" cy="461665"/>
+            </a:xfrm>
+            <a:prstGeom prst="rect">
+              <a:avLst/>
+            </a:prstGeom>
+            <a:noFill/>
+          </p:spPr>
+          <p:txBody>
+            <a:bodyPr wrap="square" rtlCol="0">
+              <a:spAutoFit/>
+            </a:bodyPr>
+            <a:lstStyle/>
+            <a:p>
+              <a:r>
+                <a:rPr lang="de-DE" sz="2400" dirty="0">
+                  <a:solidFill>
+                    <a:schemeClr val="accent4"/>
+                  </a:solidFill>
+                </a:rPr>
+                <a:t>Relaxation</a:t>
+              </a:r>
+              <a:endParaRPr lang="de-DE" sz="2000" dirty="0">
+                <a:solidFill>
+                  <a:schemeClr val="accent4"/>
+                </a:solidFill>
+              </a:endParaRPr>
+            </a:p>
+          </p:txBody>
+        </p:sp>
+        <p:sp>
+          <p:nvSpPr>
+            <p:cNvPr id="11" name="Textfeld 10">
+              <a:extLst>
+                <a:ext uri="{FF2B5EF4-FFF2-40B4-BE49-F238E27FC236}">
+                  <a16:creationId xmlns:a16="http://schemas.microsoft.com/office/drawing/2014/main" id="{4001E9DC-B79B-4BB6-8651-B23DBC5E21D5}"/>
+                </a:ext>
+              </a:extLst>
+            </p:cNvPr>
+            <p:cNvSpPr txBox="1"/>
+            <p:nvPr/>
+          </p:nvSpPr>
+          <p:spPr>
+            <a:xfrm rot="16200000">
+              <a:off x="6621839" y="4079888"/>
+              <a:ext cx="1468094" cy="369332"/>
+            </a:xfrm>
+            <a:prstGeom prst="rect">
+              <a:avLst/>
+            </a:prstGeom>
+            <a:noFill/>
+          </p:spPr>
+          <p:txBody>
+            <a:bodyPr wrap="square" rtlCol="0">
+              <a:spAutoFit/>
+            </a:bodyPr>
+            <a:lstStyle/>
+            <a:p>
+              <a:r>
+                <a:rPr lang="de-DE" dirty="0">
+                  <a:solidFill>
+                    <a:schemeClr val="accent1"/>
+                  </a:solidFill>
+                </a:rPr>
+                <a:t>Absorption</a:t>
+              </a:r>
+              <a:endParaRPr lang="de-DE" sz="1600" dirty="0">
+                <a:solidFill>
+                  <a:schemeClr val="accent1"/>
+                </a:solidFill>
+              </a:endParaRPr>
+            </a:p>
+          </p:txBody>
+        </p:sp>
+        <p:sp>
+          <p:nvSpPr>
+            <p:cNvPr id="12" name="Textfeld 11">
+              <a:extLst>
+                <a:ext uri="{FF2B5EF4-FFF2-40B4-BE49-F238E27FC236}">
+                  <a16:creationId xmlns:a16="http://schemas.microsoft.com/office/drawing/2014/main" id="{23C01DB7-070E-4DF4-86B5-5EA507AA20CD}"/>
+                </a:ext>
+              </a:extLst>
+            </p:cNvPr>
+            <p:cNvSpPr txBox="1"/>
+            <p:nvPr/>
+          </p:nvSpPr>
+          <p:spPr>
+            <a:xfrm rot="16200000">
+              <a:off x="7258614" y="3899147"/>
+              <a:ext cx="1468094" cy="646331"/>
+            </a:xfrm>
+            <a:prstGeom prst="rect">
+              <a:avLst/>
+            </a:prstGeom>
+            <a:noFill/>
+          </p:spPr>
+          <p:txBody>
+            <a:bodyPr wrap="square" rtlCol="0">
+              <a:spAutoFit/>
+            </a:bodyPr>
+            <a:lstStyle/>
+            <a:p>
+              <a:r>
+                <a:rPr lang="de-DE" dirty="0" err="1">
+                  <a:solidFill>
+                    <a:schemeClr val="accent3"/>
+                  </a:solidFill>
+                </a:rPr>
+                <a:t>Phos</a:t>
+              </a:r>
+              <a:r>
+                <a:rPr lang="de-DE" dirty="0">
+                  <a:solidFill>
+                    <a:schemeClr val="accent3"/>
+                  </a:solidFill>
+                </a:rPr>
+                <a:t>-</a:t>
+              </a:r>
+            </a:p>
+            <a:p>
+              <a:r>
+                <a:rPr lang="de-DE" dirty="0" err="1">
+                  <a:solidFill>
+                    <a:schemeClr val="accent3"/>
+                  </a:solidFill>
+                </a:rPr>
+                <a:t>phoreszenz</a:t>
+              </a:r>
+              <a:endParaRPr lang="de-DE" sz="1600" dirty="0">
+                <a:solidFill>
+                  <a:schemeClr val="accent3"/>
+                </a:solidFill>
+              </a:endParaRPr>
+            </a:p>
+          </p:txBody>
+        </p:sp>
+        <p:sp>
+          <p:nvSpPr>
+            <p:cNvPr id="13" name="Textfeld 12">
+              <a:extLst>
+                <a:ext uri="{FF2B5EF4-FFF2-40B4-BE49-F238E27FC236}">
+                  <a16:creationId xmlns:a16="http://schemas.microsoft.com/office/drawing/2014/main" id="{3E9BDF9F-9EA6-4CBA-9473-1A31FD09D9CA}"/>
+                </a:ext>
+              </a:extLst>
+            </p:cNvPr>
+            <p:cNvSpPr txBox="1"/>
+            <p:nvPr/>
+          </p:nvSpPr>
+          <p:spPr>
+            <a:xfrm rot="16200000">
+              <a:off x="8190825" y="4011937"/>
+              <a:ext cx="1468094" cy="369332"/>
+            </a:xfrm>
+            <a:prstGeom prst="rect">
+              <a:avLst/>
+            </a:prstGeom>
+            <a:noFill/>
+          </p:spPr>
+          <p:txBody>
+            <a:bodyPr wrap="square" rtlCol="0">
+              <a:spAutoFit/>
+            </a:bodyPr>
+            <a:lstStyle/>
+            <a:p>
+              <a:r>
+                <a:rPr lang="de-DE" dirty="0">
+                  <a:solidFill>
+                    <a:schemeClr val="accent4"/>
+                  </a:solidFill>
+                </a:rPr>
+                <a:t>Relaxation</a:t>
+              </a:r>
+              <a:endParaRPr lang="de-DE" sz="1600" dirty="0">
+                <a:solidFill>
+                  <a:schemeClr val="accent4"/>
+                </a:solidFill>
+              </a:endParaRPr>
+            </a:p>
+          </p:txBody>
+        </p:sp>
+        <p:sp>
+          <p:nvSpPr>
+            <p:cNvPr id="15" name="Textfeld 14">
+              <a:extLst>
+                <a:ext uri="{FF2B5EF4-FFF2-40B4-BE49-F238E27FC236}">
+                  <a16:creationId xmlns:a16="http://schemas.microsoft.com/office/drawing/2014/main" id="{D527098B-69BA-4967-8C9E-1D07B025F8E3}"/>
+                </a:ext>
+              </a:extLst>
+            </p:cNvPr>
+            <p:cNvSpPr txBox="1"/>
+            <p:nvPr/>
+          </p:nvSpPr>
+          <p:spPr>
+            <a:xfrm>
+              <a:off x="3606685" y="4736991"/>
+              <a:ext cx="561596" cy="523220"/>
+            </a:xfrm>
+            <a:prstGeom prst="rect">
+              <a:avLst/>
+            </a:prstGeom>
+            <a:noFill/>
+          </p:spPr>
+          <p:txBody>
+            <a:bodyPr wrap="square" rtlCol="0">
+              <a:spAutoFit/>
+            </a:bodyPr>
+            <a:lstStyle/>
+            <a:p>
+              <a:r>
+                <a:rPr lang="de-DE" sz="2800" dirty="0"/>
+                <a:t>S</a:t>
+              </a:r>
+              <a:r>
+                <a:rPr lang="de-DE" sz="2800" baseline="-25000" dirty="0"/>
+                <a:t>0</a:t>
+              </a:r>
+            </a:p>
+          </p:txBody>
+        </p:sp>
+        <p:sp>
+          <p:nvSpPr>
+            <p:cNvPr id="17" name="Textfeld 16">
+              <a:extLst>
+                <a:ext uri="{FF2B5EF4-FFF2-40B4-BE49-F238E27FC236}">
+                  <a16:creationId xmlns:a16="http://schemas.microsoft.com/office/drawing/2014/main" id="{2A91490C-A19A-4F05-B0C6-B5EE79F82892}"/>
+                </a:ext>
+              </a:extLst>
+            </p:cNvPr>
+            <p:cNvSpPr txBox="1"/>
+            <p:nvPr/>
+          </p:nvSpPr>
+          <p:spPr>
+            <a:xfrm>
+              <a:off x="3538076" y="2445027"/>
+              <a:ext cx="561596" cy="523220"/>
+            </a:xfrm>
+            <a:prstGeom prst="rect">
+              <a:avLst/>
+            </a:prstGeom>
+            <a:noFill/>
+          </p:spPr>
+          <p:txBody>
+            <a:bodyPr wrap="square" rtlCol="0">
+              <a:spAutoFit/>
+            </a:bodyPr>
+            <a:lstStyle/>
+            <a:p>
+              <a:r>
+                <a:rPr lang="de-DE" sz="2800" dirty="0"/>
+                <a:t>S</a:t>
+              </a:r>
+              <a:r>
+                <a:rPr lang="de-DE" sz="2800" baseline="-25000" dirty="0"/>
+                <a:t>1</a:t>
+              </a:r>
+            </a:p>
+          </p:txBody>
+        </p:sp>
+        <p:sp>
+          <p:nvSpPr>
+            <p:cNvPr id="19" name="Textfeld 18">
+              <a:extLst>
+                <a:ext uri="{FF2B5EF4-FFF2-40B4-BE49-F238E27FC236}">
+                  <a16:creationId xmlns:a16="http://schemas.microsoft.com/office/drawing/2014/main" id="{37D2A26B-BDF3-4DC9-95E5-E4F30C0B52B0}"/>
+                </a:ext>
+              </a:extLst>
+            </p:cNvPr>
+            <p:cNvSpPr txBox="1"/>
+            <p:nvPr/>
+          </p:nvSpPr>
+          <p:spPr>
+            <a:xfrm>
+              <a:off x="9539861" y="3226655"/>
+              <a:ext cx="561596" cy="523220"/>
+            </a:xfrm>
+            <a:prstGeom prst="rect">
+              <a:avLst/>
+            </a:prstGeom>
+            <a:noFill/>
+          </p:spPr>
+          <p:txBody>
+            <a:bodyPr wrap="square" rtlCol="0">
+              <a:spAutoFit/>
+            </a:bodyPr>
+            <a:lstStyle/>
+            <a:p>
+              <a:r>
+                <a:rPr lang="de-DE" sz="2800" dirty="0"/>
+                <a:t>T</a:t>
+              </a:r>
+              <a:r>
+                <a:rPr lang="de-DE" sz="2800" baseline="-25000" dirty="0"/>
+                <a:t>1</a:t>
+              </a:r>
+            </a:p>
+          </p:txBody>
+        </p:sp>
+        <p:sp>
+          <p:nvSpPr>
+            <p:cNvPr id="34" name="Textfeld 33">
+              <a:extLst>
+                <a:ext uri="{FF2B5EF4-FFF2-40B4-BE49-F238E27FC236}">
+                  <a16:creationId xmlns:a16="http://schemas.microsoft.com/office/drawing/2014/main" id="{99251836-7519-4E63-AA25-7A0D8EFF7D66}"/>
+                </a:ext>
+              </a:extLst>
+            </p:cNvPr>
+            <p:cNvSpPr txBox="1"/>
+            <p:nvPr/>
+          </p:nvSpPr>
+          <p:spPr>
+            <a:xfrm>
+              <a:off x="6763696" y="2712646"/>
+              <a:ext cx="710713" cy="523220"/>
+            </a:xfrm>
+            <a:prstGeom prst="rect">
+              <a:avLst/>
+            </a:prstGeom>
+            <a:noFill/>
+          </p:spPr>
+          <p:txBody>
+            <a:bodyPr wrap="square" rtlCol="0">
+              <a:spAutoFit/>
+            </a:bodyPr>
+            <a:lstStyle/>
+            <a:p>
+              <a:r>
+                <a:rPr lang="de-DE" sz="2800" dirty="0"/>
+                <a:t>ISC</a:t>
+              </a:r>
+            </a:p>
+          </p:txBody>
+        </p:sp>
+      </p:grpSp>
+      <p:sp>
+        <p:nvSpPr>
+          <p:cNvPr id="6" name="Textfeld 5">
+            <a:extLst>
+              <a:ext uri="{FF2B5EF4-FFF2-40B4-BE49-F238E27FC236}">
+                <a16:creationId xmlns:a16="http://schemas.microsoft.com/office/drawing/2014/main" id="{4ACE4C56-5A81-45AE-B7EB-F4E571D05D90}"/>
+              </a:ext>
+            </a:extLst>
+          </p:cNvPr>
+          <p:cNvSpPr txBox="1"/>
+          <p:nvPr/>
+        </p:nvSpPr>
+        <p:spPr>
+          <a:xfrm>
+            <a:off x="2714685" y="5117848"/>
+            <a:ext cx="7689669" cy="369332"/>
+          </a:xfrm>
+          <a:prstGeom prst="rect">
+            <a:avLst/>
+          </a:prstGeom>
+          <a:noFill/>
+        </p:spPr>
+        <p:txBody>
+          <a:bodyPr wrap="none" rtlCol="0">
+            <a:spAutoFit/>
+          </a:bodyPr>
+          <a:lstStyle/>
+          <a:p>
+            <a:r>
+              <a:rPr lang="de-DE" dirty="0"/>
+              <a:t>An- und Abregungsmöglichkeiten für Elektronen in einem organischen Halbleiter</a:t>
+            </a:r>
           </a:p>
         </p:txBody>
       </p:sp>
     </p:spTree>
     <p:extLst>
       <p:ext uri="{BB962C8B-B14F-4D97-AF65-F5344CB8AC3E}">
-        <p14:creationId xmlns:p14="http://schemas.microsoft.com/office/powerpoint/2010/main" val="1182064652"/>
+        <p14:creationId xmlns:p14="http://schemas.microsoft.com/office/powerpoint/2010/main" val="2807647235"/>
+      </p:ext>
+    </p:extLst>
+  </p:cSld>
+  <p:clrMapOvr>
+    <a:masterClrMapping/>
+  </p:clrMapOvr>
+</p:sld>
+</file>
+
+<file path=ppt/slides/slide11.xml><?xml version="1.0" encoding="utf-8"?>
+<p:sld xmlns:a="http://schemas.openxmlformats.org/drawingml/2006/main" xmlns:r="http://schemas.openxmlformats.org/officeDocument/2006/relationships" xmlns:p="http://schemas.openxmlformats.org/presentationml/2006/main">
+  <p:cSld>
+    <p:spTree>
+      <p:nvGrpSpPr>
+        <p:cNvPr id="1" name=""/>
+        <p:cNvGrpSpPr/>
+        <p:nvPr/>
+      </p:nvGrpSpPr>
+      <p:grpSpPr>
+        <a:xfrm>
+          <a:off x="0" y="0"/>
+          <a:ext cx="0" cy="0"/>
+          <a:chOff x="0" y="0"/>
+          <a:chExt cx="0" cy="0"/>
+        </a:xfrm>
+      </p:grpSpPr>
+      <p:sp>
+        <p:nvSpPr>
+          <p:cNvPr id="2" name="Titel 1">
+            <a:extLst>
+              <a:ext uri="{FF2B5EF4-FFF2-40B4-BE49-F238E27FC236}">
+                <a16:creationId xmlns:a16="http://schemas.microsoft.com/office/drawing/2014/main" id="{407E3063-6FA7-4365-B2D4-DB2220F86CAC}"/>
+              </a:ext>
+            </a:extLst>
+          </p:cNvPr>
+          <p:cNvSpPr>
+            <a:spLocks noGrp="1"/>
+          </p:cNvSpPr>
+          <p:nvPr>
+            <p:ph type="title"/>
+          </p:nvPr>
+        </p:nvSpPr>
+        <p:spPr/>
+        <p:txBody>
+          <a:bodyPr/>
+          <a:lstStyle/>
+          <a:p>
+            <a:pPr algn="ctr"/>
+            <a:r>
+              <a:rPr lang="de-DE" dirty="0"/>
+              <a:t>OLED AUFBAU</a:t>
+            </a:r>
+          </a:p>
+        </p:txBody>
+      </p:sp>
+      <p:sp>
+        <p:nvSpPr>
+          <p:cNvPr id="4" name="Fußzeilenplatzhalter 3">
+            <a:extLst>
+              <a:ext uri="{FF2B5EF4-FFF2-40B4-BE49-F238E27FC236}">
+                <a16:creationId xmlns:a16="http://schemas.microsoft.com/office/drawing/2014/main" id="{500BC2E4-F82D-4864-BFBC-F60D12ED718C}"/>
+              </a:ext>
+            </a:extLst>
+          </p:cNvPr>
+          <p:cNvSpPr>
+            <a:spLocks noGrp="1"/>
+          </p:cNvSpPr>
+          <p:nvPr>
+            <p:ph type="ftr" sz="quarter" idx="11"/>
+          </p:nvPr>
+        </p:nvSpPr>
+        <p:spPr/>
+        <p:txBody>
+          <a:bodyPr/>
+          <a:lstStyle/>
+          <a:p>
+            <a:r>
+              <a:rPr lang="en-US" dirty="0" err="1"/>
+              <a:t>Nach</a:t>
+            </a:r>
+            <a:r>
+              <a:rPr lang="en-US" dirty="0"/>
+              <a:t>: </a:t>
+            </a:r>
+            <a:r>
+              <a:rPr lang="en-US" dirty="0" err="1"/>
+              <a:t>Organische</a:t>
+            </a:r>
+            <a:r>
+              <a:rPr lang="en-US" dirty="0"/>
+              <a:t> </a:t>
+            </a:r>
+            <a:r>
+              <a:rPr lang="en-US" dirty="0" err="1"/>
+              <a:t>Molekulare</a:t>
+            </a:r>
+            <a:r>
+              <a:rPr lang="en-US" dirty="0"/>
+              <a:t> </a:t>
+            </a:r>
+            <a:r>
+              <a:rPr lang="en-US" dirty="0" err="1"/>
+              <a:t>Festkörper</a:t>
+            </a:r>
+            <a:r>
+              <a:rPr lang="en-US" dirty="0"/>
+              <a:t>, Markus </a:t>
+            </a:r>
+            <a:r>
+              <a:rPr lang="en-US" dirty="0" err="1"/>
+              <a:t>Schwoerer</a:t>
+            </a:r>
+            <a:r>
+              <a:rPr lang="en-US" dirty="0"/>
+              <a:t> und Hans Christoph Wolf, 2005, WILEY-VCH</a:t>
+            </a:r>
+          </a:p>
+        </p:txBody>
+      </p:sp>
+      <p:sp>
+        <p:nvSpPr>
+          <p:cNvPr id="5" name="Foliennummernplatzhalter 4">
+            <a:extLst>
+              <a:ext uri="{FF2B5EF4-FFF2-40B4-BE49-F238E27FC236}">
+                <a16:creationId xmlns:a16="http://schemas.microsoft.com/office/drawing/2014/main" id="{869327FD-6AE4-41F7-8D80-072CB6793E03}"/>
+              </a:ext>
+            </a:extLst>
+          </p:cNvPr>
+          <p:cNvSpPr>
+            <a:spLocks noGrp="1"/>
+          </p:cNvSpPr>
+          <p:nvPr>
+            <p:ph type="sldNum" sz="quarter" idx="12"/>
+          </p:nvPr>
+        </p:nvSpPr>
+        <p:spPr/>
+        <p:txBody>
+          <a:bodyPr/>
+          <a:lstStyle/>
+          <a:p>
+            <a:fld id="{71766878-3199-4EAB-94E7-2D6D11070E14}" type="slidenum">
+              <a:rPr lang="en-US" smtClean="0"/>
+              <a:t>11</a:t>
+            </a:fld>
+            <a:endParaRPr lang="en-US" dirty="0"/>
+          </a:p>
+        </p:txBody>
+      </p:sp>
+      <p:pic>
+        <p:nvPicPr>
+          <p:cNvPr id="11" name="Inhaltsplatzhalter 10">
+            <a:extLst>
+              <a:ext uri="{FF2B5EF4-FFF2-40B4-BE49-F238E27FC236}">
+                <a16:creationId xmlns:a16="http://schemas.microsoft.com/office/drawing/2014/main" id="{57197916-EFF5-4777-9204-B92DFDF6B40B}"/>
+              </a:ext>
+            </a:extLst>
+          </p:cNvPr>
+          <p:cNvPicPr>
+            <a:picLocks noGrp="1" noChangeAspect="1"/>
+          </p:cNvPicPr>
+          <p:nvPr>
+            <p:ph idx="1"/>
+          </p:nvPr>
+        </p:nvPicPr>
+        <p:blipFill>
+          <a:blip r:embed="rId2">
+            <a:extLst>
+              <a:ext uri="{96DAC541-7B7A-43D3-8B79-37D633B846F1}">
+                <asvg:svgBlip xmlns:asvg="http://schemas.microsoft.com/office/drawing/2016/SVG/main" r:embed="rId3"/>
+              </a:ext>
+            </a:extLst>
+          </a:blip>
+          <a:stretch>
+            <a:fillRect/>
+          </a:stretch>
+        </p:blipFill>
+        <p:spPr>
+          <a:xfrm>
+            <a:off x="3516386" y="1906114"/>
+            <a:ext cx="5159228" cy="3045771"/>
+          </a:xfrm>
+        </p:spPr>
+      </p:pic>
+      <p:sp>
+        <p:nvSpPr>
+          <p:cNvPr id="12" name="Textfeld 11">
+            <a:extLst>
+              <a:ext uri="{FF2B5EF4-FFF2-40B4-BE49-F238E27FC236}">
+                <a16:creationId xmlns:a16="http://schemas.microsoft.com/office/drawing/2014/main" id="{96F2CDDD-DBD8-446F-81E0-109BAF5D3C9D}"/>
+              </a:ext>
+            </a:extLst>
+          </p:cNvPr>
+          <p:cNvSpPr txBox="1"/>
+          <p:nvPr/>
+        </p:nvSpPr>
+        <p:spPr>
+          <a:xfrm>
+            <a:off x="4132962" y="5352176"/>
+            <a:ext cx="3926075" cy="369332"/>
+          </a:xfrm>
+          <a:prstGeom prst="rect">
+            <a:avLst/>
+          </a:prstGeom>
+          <a:noFill/>
+        </p:spPr>
+        <p:txBody>
+          <a:bodyPr wrap="none" rtlCol="0">
+            <a:spAutoFit/>
+          </a:bodyPr>
+          <a:lstStyle/>
+          <a:p>
+            <a:r>
+              <a:rPr lang="de-DE" dirty="0"/>
+              <a:t>Schematischer Querschnitt einer OLED</a:t>
+            </a:r>
+          </a:p>
+        </p:txBody>
+      </p:sp>
+      <p:sp>
+        <p:nvSpPr>
+          <p:cNvPr id="13" name="Textfeld 12">
+            <a:extLst>
+              <a:ext uri="{FF2B5EF4-FFF2-40B4-BE49-F238E27FC236}">
+                <a16:creationId xmlns:a16="http://schemas.microsoft.com/office/drawing/2014/main" id="{43DE5AEB-94E0-46B0-BB5B-CC18F295D9DD}"/>
+              </a:ext>
+            </a:extLst>
+          </p:cNvPr>
+          <p:cNvSpPr txBox="1"/>
+          <p:nvPr/>
+        </p:nvSpPr>
+        <p:spPr>
+          <a:xfrm>
+            <a:off x="4132962" y="1974635"/>
+            <a:ext cx="643125" cy="369332"/>
+          </a:xfrm>
+          <a:prstGeom prst="rect">
+            <a:avLst/>
+          </a:prstGeom>
+          <a:noFill/>
+        </p:spPr>
+        <p:txBody>
+          <a:bodyPr wrap="none" rtlCol="0">
+            <a:spAutoFit/>
+          </a:bodyPr>
+          <a:lstStyle/>
+          <a:p>
+            <a:r>
+              <a:rPr lang="de-DE" dirty="0"/>
+              <a:t>Licht</a:t>
+            </a:r>
+          </a:p>
+        </p:txBody>
+      </p:sp>
+      <p:sp>
+        <p:nvSpPr>
+          <p:cNvPr id="14" name="Textfeld 13">
+            <a:extLst>
+              <a:ext uri="{FF2B5EF4-FFF2-40B4-BE49-F238E27FC236}">
+                <a16:creationId xmlns:a16="http://schemas.microsoft.com/office/drawing/2014/main" id="{B691F455-65B2-4CCC-AFE0-9511C863038F}"/>
+              </a:ext>
+            </a:extLst>
+          </p:cNvPr>
+          <p:cNvSpPr txBox="1"/>
+          <p:nvPr/>
+        </p:nvSpPr>
+        <p:spPr>
+          <a:xfrm>
+            <a:off x="3516386" y="4474537"/>
+            <a:ext cx="952505" cy="369332"/>
+          </a:xfrm>
+          <a:prstGeom prst="rect">
+            <a:avLst/>
+          </a:prstGeom>
+          <a:noFill/>
+        </p:spPr>
+        <p:txBody>
+          <a:bodyPr wrap="none" rtlCol="0">
+            <a:spAutoFit/>
+          </a:bodyPr>
+          <a:lstStyle/>
+          <a:p>
+            <a:r>
+              <a:rPr lang="de-DE" dirty="0"/>
+              <a:t>Substrat</a:t>
+            </a:r>
+          </a:p>
+        </p:txBody>
+      </p:sp>
+      <p:sp>
+        <p:nvSpPr>
+          <p:cNvPr id="15" name="Textfeld 14">
+            <a:extLst>
+              <a:ext uri="{FF2B5EF4-FFF2-40B4-BE49-F238E27FC236}">
+                <a16:creationId xmlns:a16="http://schemas.microsoft.com/office/drawing/2014/main" id="{FCF8F8E5-DB59-470A-AC1E-4A351A675393}"/>
+              </a:ext>
+            </a:extLst>
+          </p:cNvPr>
+          <p:cNvSpPr txBox="1"/>
+          <p:nvPr/>
+        </p:nvSpPr>
+        <p:spPr>
+          <a:xfrm>
+            <a:off x="4831970" y="3221697"/>
+            <a:ext cx="979755" cy="369332"/>
+          </a:xfrm>
+          <a:prstGeom prst="rect">
+            <a:avLst/>
+          </a:prstGeom>
+          <a:noFill/>
+        </p:spPr>
+        <p:txBody>
+          <a:bodyPr wrap="none" rtlCol="0">
+            <a:spAutoFit/>
+          </a:bodyPr>
+          <a:lstStyle/>
+          <a:p>
+            <a:r>
+              <a:rPr lang="de-DE" dirty="0"/>
+              <a:t>Kathode</a:t>
+            </a:r>
+          </a:p>
+        </p:txBody>
+      </p:sp>
+      <p:sp>
+        <p:nvSpPr>
+          <p:cNvPr id="16" name="Textfeld 15">
+            <a:extLst>
+              <a:ext uri="{FF2B5EF4-FFF2-40B4-BE49-F238E27FC236}">
+                <a16:creationId xmlns:a16="http://schemas.microsoft.com/office/drawing/2014/main" id="{2A64E7AD-6310-4ED7-8C85-7BFD548A093A}"/>
+              </a:ext>
+            </a:extLst>
+          </p:cNvPr>
+          <p:cNvSpPr txBox="1"/>
+          <p:nvPr/>
+        </p:nvSpPr>
+        <p:spPr>
+          <a:xfrm>
+            <a:off x="3516386" y="4005087"/>
+            <a:ext cx="808235" cy="369332"/>
+          </a:xfrm>
+          <a:prstGeom prst="rect">
+            <a:avLst/>
+          </a:prstGeom>
+          <a:noFill/>
+        </p:spPr>
+        <p:txBody>
+          <a:bodyPr wrap="none" rtlCol="0">
+            <a:spAutoFit/>
+          </a:bodyPr>
+          <a:lstStyle/>
+          <a:p>
+            <a:r>
+              <a:rPr lang="de-DE" dirty="0"/>
+              <a:t>Anode</a:t>
+            </a:r>
+          </a:p>
+        </p:txBody>
+      </p:sp>
+      <p:sp>
+        <p:nvSpPr>
+          <p:cNvPr id="17" name="Textfeld 16">
+            <a:extLst>
+              <a:ext uri="{FF2B5EF4-FFF2-40B4-BE49-F238E27FC236}">
+                <a16:creationId xmlns:a16="http://schemas.microsoft.com/office/drawing/2014/main" id="{FD87AE40-B509-45F5-ADA1-D560FE86DC47}"/>
+              </a:ext>
+            </a:extLst>
+          </p:cNvPr>
+          <p:cNvSpPr txBox="1"/>
+          <p:nvPr/>
+        </p:nvSpPr>
+        <p:spPr>
+          <a:xfrm>
+            <a:off x="3992638" y="2820994"/>
+            <a:ext cx="1329210" cy="369332"/>
+          </a:xfrm>
+          <a:prstGeom prst="rect">
+            <a:avLst/>
+          </a:prstGeom>
+          <a:noFill/>
+        </p:spPr>
+        <p:txBody>
+          <a:bodyPr wrap="none" rtlCol="0">
+            <a:spAutoFit/>
+          </a:bodyPr>
+          <a:lstStyle/>
+          <a:p>
+            <a:r>
+              <a:rPr lang="de-DE" dirty="0"/>
+              <a:t>Deckschicht</a:t>
+            </a:r>
+          </a:p>
+        </p:txBody>
+      </p:sp>
+      <p:sp>
+        <p:nvSpPr>
+          <p:cNvPr id="18" name="Textfeld 17">
+            <a:extLst>
+              <a:ext uri="{FF2B5EF4-FFF2-40B4-BE49-F238E27FC236}">
+                <a16:creationId xmlns:a16="http://schemas.microsoft.com/office/drawing/2014/main" id="{3BB78B97-B125-4406-A89F-45B6D3DD7380}"/>
+              </a:ext>
+            </a:extLst>
+          </p:cNvPr>
+          <p:cNvSpPr txBox="1"/>
+          <p:nvPr/>
+        </p:nvSpPr>
+        <p:spPr>
+          <a:xfrm>
+            <a:off x="4657243" y="3606508"/>
+            <a:ext cx="1975221" cy="369332"/>
+          </a:xfrm>
+          <a:prstGeom prst="rect">
+            <a:avLst/>
+          </a:prstGeom>
+          <a:noFill/>
+        </p:spPr>
+        <p:txBody>
+          <a:bodyPr wrap="none" rtlCol="0">
+            <a:spAutoFit/>
+          </a:bodyPr>
+          <a:lstStyle/>
+          <a:p>
+            <a:r>
+              <a:rPr lang="de-DE" dirty="0"/>
+              <a:t>Organische Schicht</a:t>
+            </a:r>
+          </a:p>
+        </p:txBody>
+      </p:sp>
+    </p:spTree>
+    <p:extLst>
+      <p:ext uri="{BB962C8B-B14F-4D97-AF65-F5344CB8AC3E}">
+        <p14:creationId xmlns:p14="http://schemas.microsoft.com/office/powerpoint/2010/main" val="3797259991"/>
+      </p:ext>
+    </p:extLst>
+  </p:cSld>
+  <p:clrMapOvr>
+    <a:masterClrMapping/>
+  </p:clrMapOvr>
+</p:sld>
+</file>
+
+<file path=ppt/slides/slide12.xml><?xml version="1.0" encoding="utf-8"?>
+<p:sld xmlns:a="http://schemas.openxmlformats.org/drawingml/2006/main" xmlns:r="http://schemas.openxmlformats.org/officeDocument/2006/relationships" xmlns:p="http://schemas.openxmlformats.org/presentationml/2006/main">
+  <p:cSld>
+    <p:spTree>
+      <p:nvGrpSpPr>
+        <p:cNvPr id="1" name=""/>
+        <p:cNvGrpSpPr/>
+        <p:nvPr/>
+      </p:nvGrpSpPr>
+      <p:grpSpPr>
+        <a:xfrm>
+          <a:off x="0" y="0"/>
+          <a:ext cx="0" cy="0"/>
+          <a:chOff x="0" y="0"/>
+          <a:chExt cx="0" cy="0"/>
+        </a:xfrm>
+      </p:grpSpPr>
+      <p:sp>
+        <p:nvSpPr>
+          <p:cNvPr id="31" name="Rechteck 30">
+            <a:extLst>
+              <a:ext uri="{FF2B5EF4-FFF2-40B4-BE49-F238E27FC236}">
+                <a16:creationId xmlns:a16="http://schemas.microsoft.com/office/drawing/2014/main" id="{BBF9EC43-E392-4F86-A965-66707CBE9804}"/>
+              </a:ext>
+            </a:extLst>
+          </p:cNvPr>
+          <p:cNvSpPr/>
+          <p:nvPr/>
+        </p:nvSpPr>
+        <p:spPr>
+          <a:xfrm>
+            <a:off x="3759745" y="1874517"/>
+            <a:ext cx="4703868" cy="3080941"/>
+          </a:xfrm>
+          <a:prstGeom prst="rect">
+            <a:avLst/>
+          </a:prstGeom>
+          <a:solidFill>
+            <a:schemeClr val="accent1">
+              <a:alpha val="29000"/>
+            </a:schemeClr>
+          </a:solidFill>
+          <a:ln>
+            <a:noFill/>
+          </a:ln>
+        </p:spPr>
+        <p:style>
+          <a:lnRef idx="2">
+            <a:schemeClr val="accent1">
+              <a:shade val="50000"/>
+            </a:schemeClr>
+          </a:lnRef>
+          <a:fillRef idx="1">
+            <a:schemeClr val="accent1"/>
+          </a:fillRef>
+          <a:effectRef idx="0">
+            <a:schemeClr val="accent1"/>
+          </a:effectRef>
+          <a:fontRef idx="minor">
+            <a:schemeClr val="lt1"/>
+          </a:fontRef>
+        </p:style>
+        <p:txBody>
+          <a:bodyPr rtlCol="0" anchor="ctr"/>
+          <a:lstStyle/>
+          <a:p>
+            <a:pPr algn="ctr"/>
+            <a:endParaRPr lang="de-DE"/>
+          </a:p>
+        </p:txBody>
+      </p:sp>
+      <p:pic>
+        <p:nvPicPr>
+          <p:cNvPr id="7" name="Inhaltsplatzhalter 6">
+            <a:extLst>
+              <a:ext uri="{FF2B5EF4-FFF2-40B4-BE49-F238E27FC236}">
+                <a16:creationId xmlns:a16="http://schemas.microsoft.com/office/drawing/2014/main" id="{F67D31B4-778F-456B-A176-1D5664F0B415}"/>
+              </a:ext>
+            </a:extLst>
+          </p:cNvPr>
+          <p:cNvPicPr>
+            <a:picLocks noGrp="1" noChangeAspect="1"/>
+          </p:cNvPicPr>
+          <p:nvPr>
+            <p:ph idx="1"/>
+          </p:nvPr>
+        </p:nvPicPr>
+        <p:blipFill>
+          <a:blip r:embed="rId2">
+            <a:extLst>
+              <a:ext uri="{96DAC541-7B7A-43D3-8B79-37D633B846F1}">
+                <asvg:svgBlip xmlns:asvg="http://schemas.microsoft.com/office/drawing/2016/SVG/main" r:embed="rId3"/>
+              </a:ext>
+            </a:extLst>
+          </a:blip>
+          <a:stretch>
+            <a:fillRect/>
+          </a:stretch>
+        </p:blipFill>
+        <p:spPr>
+          <a:xfrm>
+            <a:off x="2537008" y="1874517"/>
+            <a:ext cx="7117984" cy="3321726"/>
+          </a:xfrm>
+        </p:spPr>
+      </p:pic>
+      <p:sp>
+        <p:nvSpPr>
+          <p:cNvPr id="2" name="Titel 1">
+            <a:extLst>
+              <a:ext uri="{FF2B5EF4-FFF2-40B4-BE49-F238E27FC236}">
+                <a16:creationId xmlns:a16="http://schemas.microsoft.com/office/drawing/2014/main" id="{16623D3A-5AAE-4458-9815-455499258D51}"/>
+              </a:ext>
+            </a:extLst>
+          </p:cNvPr>
+          <p:cNvSpPr>
+            <a:spLocks noGrp="1"/>
+          </p:cNvSpPr>
+          <p:nvPr>
+            <p:ph type="title"/>
+          </p:nvPr>
+        </p:nvSpPr>
+        <p:spPr>
+          <a:xfrm>
+            <a:off x="1006839" y="382385"/>
+            <a:ext cx="10178322" cy="1492132"/>
+          </a:xfrm>
+        </p:spPr>
+        <p:txBody>
+          <a:bodyPr/>
+          <a:lstStyle/>
+          <a:p>
+            <a:pPr algn="ctr"/>
+            <a:r>
+              <a:rPr lang="de-DE" dirty="0" err="1"/>
+              <a:t>Einschicht</a:t>
+            </a:r>
+            <a:r>
+              <a:rPr lang="de-DE" dirty="0"/>
+              <a:t> OLED</a:t>
+            </a:r>
+          </a:p>
+        </p:txBody>
+      </p:sp>
+      <p:sp>
+        <p:nvSpPr>
+          <p:cNvPr id="4" name="Fußzeilenplatzhalter 3">
+            <a:extLst>
+              <a:ext uri="{FF2B5EF4-FFF2-40B4-BE49-F238E27FC236}">
+                <a16:creationId xmlns:a16="http://schemas.microsoft.com/office/drawing/2014/main" id="{12A6826A-3D79-4D73-A7E7-DE262C217F51}"/>
+              </a:ext>
+            </a:extLst>
+          </p:cNvPr>
+          <p:cNvSpPr>
+            <a:spLocks noGrp="1"/>
+          </p:cNvSpPr>
+          <p:nvPr>
+            <p:ph type="ftr" sz="quarter" idx="11"/>
+          </p:nvPr>
+        </p:nvSpPr>
+        <p:spPr/>
+        <p:txBody>
+          <a:bodyPr/>
+          <a:lstStyle/>
+          <a:p>
+            <a:r>
+              <a:rPr lang="en-US" dirty="0" err="1"/>
+              <a:t>Nach</a:t>
+            </a:r>
+            <a:r>
+              <a:rPr lang="en-US" dirty="0"/>
+              <a:t>: </a:t>
+            </a:r>
+            <a:r>
+              <a:rPr lang="en-US" dirty="0" err="1"/>
+              <a:t>Organische</a:t>
+            </a:r>
+            <a:r>
+              <a:rPr lang="en-US" dirty="0"/>
+              <a:t> </a:t>
+            </a:r>
+            <a:r>
+              <a:rPr lang="en-US" dirty="0" err="1"/>
+              <a:t>Molekulare</a:t>
+            </a:r>
+            <a:r>
+              <a:rPr lang="en-US" dirty="0"/>
+              <a:t> </a:t>
+            </a:r>
+            <a:r>
+              <a:rPr lang="en-US" dirty="0" err="1"/>
+              <a:t>Festkörper</a:t>
+            </a:r>
+            <a:r>
+              <a:rPr lang="en-US" dirty="0"/>
+              <a:t>, Markus </a:t>
+            </a:r>
+            <a:r>
+              <a:rPr lang="en-US" dirty="0" err="1"/>
+              <a:t>Schwoerer</a:t>
+            </a:r>
+            <a:r>
+              <a:rPr lang="en-US" dirty="0"/>
+              <a:t> und Hans Christoph Wolf, 2005, WILEY-VCH</a:t>
+            </a:r>
+          </a:p>
+        </p:txBody>
+      </p:sp>
+      <p:sp>
+        <p:nvSpPr>
+          <p:cNvPr id="5" name="Foliennummernplatzhalter 4">
+            <a:extLst>
+              <a:ext uri="{FF2B5EF4-FFF2-40B4-BE49-F238E27FC236}">
+                <a16:creationId xmlns:a16="http://schemas.microsoft.com/office/drawing/2014/main" id="{76031CB4-0EA7-4583-A763-4F0D19784B6D}"/>
+              </a:ext>
+            </a:extLst>
+          </p:cNvPr>
+          <p:cNvSpPr>
+            <a:spLocks noGrp="1"/>
+          </p:cNvSpPr>
+          <p:nvPr>
+            <p:ph type="sldNum" sz="quarter" idx="12"/>
+          </p:nvPr>
+        </p:nvSpPr>
+        <p:spPr/>
+        <p:txBody>
+          <a:bodyPr/>
+          <a:lstStyle/>
+          <a:p>
+            <a:fld id="{71766878-3199-4EAB-94E7-2D6D11070E14}" type="slidenum">
+              <a:rPr lang="en-US" smtClean="0"/>
+              <a:t>12</a:t>
+            </a:fld>
+            <a:endParaRPr lang="en-US" dirty="0"/>
+          </a:p>
+        </p:txBody>
+      </p:sp>
+      <p:sp>
+        <p:nvSpPr>
+          <p:cNvPr id="8" name="Textfeld 7">
+            <a:extLst>
+              <a:ext uri="{FF2B5EF4-FFF2-40B4-BE49-F238E27FC236}">
+                <a16:creationId xmlns:a16="http://schemas.microsoft.com/office/drawing/2014/main" id="{F88A10FE-86DE-42C8-9F77-674416B63369}"/>
+              </a:ext>
+            </a:extLst>
+          </p:cNvPr>
+          <p:cNvSpPr txBox="1"/>
+          <p:nvPr/>
+        </p:nvSpPr>
+        <p:spPr>
+          <a:xfrm>
+            <a:off x="2627000" y="4001993"/>
+            <a:ext cx="319318" cy="369332"/>
+          </a:xfrm>
+          <a:prstGeom prst="rect">
+            <a:avLst/>
+          </a:prstGeom>
+          <a:noFill/>
+        </p:spPr>
+        <p:txBody>
+          <a:bodyPr wrap="none" rtlCol="0">
+            <a:spAutoFit/>
+          </a:bodyPr>
+          <a:lstStyle/>
+          <a:p>
+            <a:r>
+              <a:rPr lang="de-DE" dirty="0"/>
+              <a:t>+</a:t>
+            </a:r>
+          </a:p>
+        </p:txBody>
+      </p:sp>
+      <p:sp>
+        <p:nvSpPr>
+          <p:cNvPr id="9" name="Textfeld 8">
+            <a:extLst>
+              <a:ext uri="{FF2B5EF4-FFF2-40B4-BE49-F238E27FC236}">
+                <a16:creationId xmlns:a16="http://schemas.microsoft.com/office/drawing/2014/main" id="{1A530DE7-2FFB-4565-A9F1-81472F24BF0F}"/>
+              </a:ext>
+            </a:extLst>
+          </p:cNvPr>
+          <p:cNvSpPr txBox="1"/>
+          <p:nvPr/>
+        </p:nvSpPr>
+        <p:spPr>
+          <a:xfrm>
+            <a:off x="4789175" y="4292506"/>
+            <a:ext cx="319318" cy="369332"/>
+          </a:xfrm>
+          <a:prstGeom prst="rect">
+            <a:avLst/>
+          </a:prstGeom>
+          <a:noFill/>
+        </p:spPr>
+        <p:txBody>
+          <a:bodyPr wrap="none" rtlCol="0">
+            <a:spAutoFit/>
+          </a:bodyPr>
+          <a:lstStyle/>
+          <a:p>
+            <a:r>
+              <a:rPr lang="de-DE" dirty="0"/>
+              <a:t>+</a:t>
+            </a:r>
+          </a:p>
+        </p:txBody>
+      </p:sp>
+      <p:sp>
+        <p:nvSpPr>
+          <p:cNvPr id="10" name="Textfeld 9">
+            <a:extLst>
+              <a:ext uri="{FF2B5EF4-FFF2-40B4-BE49-F238E27FC236}">
+                <a16:creationId xmlns:a16="http://schemas.microsoft.com/office/drawing/2014/main" id="{CDA6A792-FA15-4297-87F5-F679924C17F0}"/>
+              </a:ext>
+            </a:extLst>
+          </p:cNvPr>
+          <p:cNvSpPr txBox="1"/>
+          <p:nvPr/>
+        </p:nvSpPr>
+        <p:spPr>
+          <a:xfrm>
+            <a:off x="8128881" y="3611230"/>
+            <a:ext cx="319318" cy="369332"/>
+          </a:xfrm>
+          <a:prstGeom prst="rect">
+            <a:avLst/>
+          </a:prstGeom>
+          <a:noFill/>
+        </p:spPr>
+        <p:txBody>
+          <a:bodyPr wrap="square" rtlCol="0">
+            <a:spAutoFit/>
+          </a:bodyPr>
+          <a:lstStyle/>
+          <a:p>
+            <a:r>
+              <a:rPr lang="de-DE" dirty="0"/>
+              <a:t>+</a:t>
+            </a:r>
+          </a:p>
+        </p:txBody>
+      </p:sp>
+      <p:sp>
+        <p:nvSpPr>
+          <p:cNvPr id="11" name="Textfeld 10">
+            <a:extLst>
+              <a:ext uri="{FF2B5EF4-FFF2-40B4-BE49-F238E27FC236}">
+                <a16:creationId xmlns:a16="http://schemas.microsoft.com/office/drawing/2014/main" id="{4F6C297B-89DF-4D43-B234-948AE0AE2BAE}"/>
+              </a:ext>
+            </a:extLst>
+          </p:cNvPr>
+          <p:cNvSpPr txBox="1"/>
+          <p:nvPr/>
+        </p:nvSpPr>
+        <p:spPr>
+          <a:xfrm>
+            <a:off x="6270313" y="3960923"/>
+            <a:ext cx="319318" cy="369332"/>
+          </a:xfrm>
+          <a:prstGeom prst="rect">
+            <a:avLst/>
+          </a:prstGeom>
+          <a:noFill/>
+        </p:spPr>
+        <p:txBody>
+          <a:bodyPr wrap="none" rtlCol="0">
+            <a:spAutoFit/>
+          </a:bodyPr>
+          <a:lstStyle/>
+          <a:p>
+            <a:r>
+              <a:rPr lang="de-DE" dirty="0"/>
+              <a:t>+</a:t>
+            </a:r>
+          </a:p>
+        </p:txBody>
+      </p:sp>
+      <p:sp>
+        <p:nvSpPr>
+          <p:cNvPr id="12" name="Textfeld 11">
+            <a:extLst>
+              <a:ext uri="{FF2B5EF4-FFF2-40B4-BE49-F238E27FC236}">
+                <a16:creationId xmlns:a16="http://schemas.microsoft.com/office/drawing/2014/main" id="{61359400-B656-4E4C-B327-28EBA14124F2}"/>
+              </a:ext>
+            </a:extLst>
+          </p:cNvPr>
+          <p:cNvSpPr txBox="1"/>
+          <p:nvPr/>
+        </p:nvSpPr>
+        <p:spPr>
+          <a:xfrm>
+            <a:off x="4008125" y="2616105"/>
+            <a:ext cx="260008" cy="369332"/>
+          </a:xfrm>
+          <a:prstGeom prst="rect">
+            <a:avLst/>
+          </a:prstGeom>
+          <a:noFill/>
+        </p:spPr>
+        <p:txBody>
+          <a:bodyPr wrap="none" rtlCol="0">
+            <a:spAutoFit/>
+          </a:bodyPr>
+          <a:lstStyle/>
+          <a:p>
+            <a:r>
+              <a:rPr lang="de-DE" dirty="0"/>
+              <a:t>-</a:t>
+            </a:r>
+          </a:p>
+        </p:txBody>
+      </p:sp>
+      <p:sp>
+        <p:nvSpPr>
+          <p:cNvPr id="13" name="Textfeld 12">
+            <a:extLst>
+              <a:ext uri="{FF2B5EF4-FFF2-40B4-BE49-F238E27FC236}">
+                <a16:creationId xmlns:a16="http://schemas.microsoft.com/office/drawing/2014/main" id="{30A3EC16-4497-4D66-B71D-D53805E8C609}"/>
+              </a:ext>
+            </a:extLst>
+          </p:cNvPr>
+          <p:cNvSpPr txBox="1"/>
+          <p:nvPr/>
+        </p:nvSpPr>
+        <p:spPr>
+          <a:xfrm>
+            <a:off x="7665840" y="1898030"/>
+            <a:ext cx="260008" cy="369332"/>
+          </a:xfrm>
+          <a:prstGeom prst="rect">
+            <a:avLst/>
+          </a:prstGeom>
+          <a:noFill/>
+        </p:spPr>
+        <p:txBody>
+          <a:bodyPr wrap="square" rtlCol="0">
+            <a:spAutoFit/>
+          </a:bodyPr>
+          <a:lstStyle/>
+          <a:p>
+            <a:r>
+              <a:rPr lang="de-DE" dirty="0"/>
+              <a:t>-</a:t>
+            </a:r>
+          </a:p>
+        </p:txBody>
+      </p:sp>
+      <p:sp>
+        <p:nvSpPr>
+          <p:cNvPr id="15" name="Textfeld 14">
+            <a:extLst>
+              <a:ext uri="{FF2B5EF4-FFF2-40B4-BE49-F238E27FC236}">
+                <a16:creationId xmlns:a16="http://schemas.microsoft.com/office/drawing/2014/main" id="{0B6D168D-8734-41D9-9CEA-A92351C4711C}"/>
+              </a:ext>
+            </a:extLst>
+          </p:cNvPr>
+          <p:cNvSpPr txBox="1"/>
+          <p:nvPr/>
+        </p:nvSpPr>
+        <p:spPr>
+          <a:xfrm>
+            <a:off x="9166706" y="2508693"/>
+            <a:ext cx="260008" cy="369332"/>
+          </a:xfrm>
+          <a:prstGeom prst="rect">
+            <a:avLst/>
+          </a:prstGeom>
+          <a:noFill/>
+        </p:spPr>
+        <p:txBody>
+          <a:bodyPr wrap="none" rtlCol="0">
+            <a:spAutoFit/>
+          </a:bodyPr>
+          <a:lstStyle/>
+          <a:p>
+            <a:r>
+              <a:rPr lang="de-DE" dirty="0"/>
+              <a:t>-</a:t>
+            </a:r>
+          </a:p>
+        </p:txBody>
+      </p:sp>
+      <p:sp>
+        <p:nvSpPr>
+          <p:cNvPr id="17" name="Textfeld 16">
+            <a:extLst>
+              <a:ext uri="{FF2B5EF4-FFF2-40B4-BE49-F238E27FC236}">
+                <a16:creationId xmlns:a16="http://schemas.microsoft.com/office/drawing/2014/main" id="{7DAE305D-18F9-46D3-B228-18AC5DDFBB70}"/>
+              </a:ext>
+            </a:extLst>
+          </p:cNvPr>
+          <p:cNvSpPr txBox="1"/>
+          <p:nvPr/>
+        </p:nvSpPr>
+        <p:spPr>
+          <a:xfrm>
+            <a:off x="6286202" y="2157463"/>
+            <a:ext cx="260008" cy="369332"/>
+          </a:xfrm>
+          <a:prstGeom prst="rect">
+            <a:avLst/>
+          </a:prstGeom>
+          <a:noFill/>
+        </p:spPr>
+        <p:txBody>
+          <a:bodyPr wrap="none" rtlCol="0">
+            <a:spAutoFit/>
+          </a:bodyPr>
+          <a:lstStyle/>
+          <a:p>
+            <a:r>
+              <a:rPr lang="de-DE" dirty="0"/>
+              <a:t>-</a:t>
+            </a:r>
+          </a:p>
+        </p:txBody>
+      </p:sp>
+      <p:sp>
+        <p:nvSpPr>
+          <p:cNvPr id="18" name="Textfeld 17">
+            <a:extLst>
+              <a:ext uri="{FF2B5EF4-FFF2-40B4-BE49-F238E27FC236}">
+                <a16:creationId xmlns:a16="http://schemas.microsoft.com/office/drawing/2014/main" id="{1716CF4B-C1D1-43B9-B92A-89C8E1D732FC}"/>
+              </a:ext>
+            </a:extLst>
+          </p:cNvPr>
+          <p:cNvSpPr txBox="1"/>
+          <p:nvPr/>
+        </p:nvSpPr>
+        <p:spPr>
+          <a:xfrm>
+            <a:off x="2236926" y="2082696"/>
+            <a:ext cx="300082" cy="369332"/>
+          </a:xfrm>
+          <a:prstGeom prst="rect">
+            <a:avLst/>
+          </a:prstGeom>
+          <a:noFill/>
+        </p:spPr>
+        <p:txBody>
+          <a:bodyPr wrap="none" rtlCol="0">
+            <a:spAutoFit/>
+          </a:bodyPr>
+          <a:lstStyle/>
+          <a:p>
+            <a:r>
+              <a:rPr lang="de-DE" dirty="0"/>
+              <a:t>E</a:t>
+            </a:r>
+          </a:p>
+        </p:txBody>
+      </p:sp>
+      <p:sp>
+        <p:nvSpPr>
+          <p:cNvPr id="19" name="Textfeld 18">
+            <a:extLst>
+              <a:ext uri="{FF2B5EF4-FFF2-40B4-BE49-F238E27FC236}">
+                <a16:creationId xmlns:a16="http://schemas.microsoft.com/office/drawing/2014/main" id="{F5855ACF-C5BC-4FE5-8AA6-9809C928D196}"/>
+              </a:ext>
+            </a:extLst>
+          </p:cNvPr>
+          <p:cNvSpPr txBox="1"/>
+          <p:nvPr/>
+        </p:nvSpPr>
+        <p:spPr>
+          <a:xfrm>
+            <a:off x="2946318" y="1547135"/>
+            <a:ext cx="300082" cy="369332"/>
+          </a:xfrm>
+          <a:prstGeom prst="rect">
+            <a:avLst/>
+          </a:prstGeom>
+          <a:noFill/>
+        </p:spPr>
+        <p:txBody>
+          <a:bodyPr wrap="none" rtlCol="0">
+            <a:spAutoFit/>
+          </a:bodyPr>
+          <a:lstStyle/>
+          <a:p>
+            <a:r>
+              <a:rPr lang="de-DE" dirty="0"/>
+              <a:t>x</a:t>
+            </a:r>
+          </a:p>
+        </p:txBody>
+      </p:sp>
+      <mc:AlternateContent xmlns:mc="http://schemas.openxmlformats.org/markup-compatibility/2006">
+        <mc:Choice xmlns:a14="http://schemas.microsoft.com/office/drawing/2010/main" Requires="a14">
+          <p:sp>
+            <p:nvSpPr>
+              <p:cNvPr id="20" name="Textfeld 19">
+                <a:extLst>
+                  <a:ext uri="{FF2B5EF4-FFF2-40B4-BE49-F238E27FC236}">
+                    <a16:creationId xmlns:a16="http://schemas.microsoft.com/office/drawing/2014/main" id="{3CDAF110-1B62-4742-A0DB-CB4AD4A38B3E}"/>
+                  </a:ext>
+                </a:extLst>
+              </p:cNvPr>
+              <p:cNvSpPr txBox="1"/>
+              <p:nvPr/>
+            </p:nvSpPr>
+            <p:spPr>
+              <a:xfrm>
+                <a:off x="5321300" y="3057232"/>
+                <a:ext cx="705321" cy="553998"/>
+              </a:xfrm>
+              <a:prstGeom prst="rect">
+                <a:avLst/>
+              </a:prstGeom>
+              <a:noFill/>
+            </p:spPr>
+            <p:txBody>
+              <a:bodyPr wrap="none" lIns="0" tIns="0" rIns="0" bIns="0" rtlCol="0">
+                <a:spAutoFit/>
+              </a:bodyPr>
+              <a:lstStyle/>
+              <a:p>
+                <a14:m>
+                  <m:oMathPara xmlns:m="http://schemas.openxmlformats.org/officeDocument/2006/math">
+                    <m:oMathParaPr>
+                      <m:jc m:val="centerGroup"/>
+                    </m:oMathParaPr>
+                    <m:oMath xmlns:m="http://schemas.openxmlformats.org/officeDocument/2006/math">
+                      <m:r>
+                        <a:rPr lang="de-DE" b="0" i="1" smtClean="0">
+                          <a:latin typeface="Cambria Math" panose="02040503050406030204" pitchFamily="18" charset="0"/>
+                        </a:rPr>
+                        <m:t>ℏ</m:t>
+                      </m:r>
+                      <m:r>
+                        <m:rPr>
+                          <m:sty m:val="p"/>
+                        </m:rPr>
+                        <a:rPr lang="de-DE" b="0" i="1" smtClean="0">
+                          <a:latin typeface="Cambria Math" panose="02040503050406030204" pitchFamily="18" charset="0"/>
+                        </a:rPr>
+                        <m:t>ω</m:t>
+                      </m:r>
+                    </m:oMath>
+                  </m:oMathPara>
+                </a14:m>
+                <a:endParaRPr lang="de-DE" b="0" dirty="0"/>
+              </a:p>
+              <a:p>
+                <a:endParaRPr lang="de-DE" dirty="0"/>
+              </a:p>
+            </p:txBody>
+          </p:sp>
+        </mc:Choice>
+        <mc:Fallback>
+          <p:sp>
+            <p:nvSpPr>
+              <p:cNvPr id="20" name="Textfeld 19">
+                <a:extLst>
+                  <a:ext uri="{FF2B5EF4-FFF2-40B4-BE49-F238E27FC236}">
+                    <a16:creationId xmlns:a16="http://schemas.microsoft.com/office/drawing/2014/main" id="{3CDAF110-1B62-4742-A0DB-CB4AD4A38B3E}"/>
+                  </a:ext>
+                </a:extLst>
+              </p:cNvPr>
+              <p:cNvSpPr txBox="1">
+                <a:spLocks noRot="1" noChangeAspect="1" noMove="1" noResize="1" noEditPoints="1" noAdjustHandles="1" noChangeArrowheads="1" noChangeShapeType="1" noTextEdit="1"/>
+              </p:cNvSpPr>
+              <p:nvPr/>
+            </p:nvSpPr>
+            <p:spPr>
+              <a:xfrm>
+                <a:off x="5321300" y="3057232"/>
+                <a:ext cx="705321" cy="553998"/>
+              </a:xfrm>
+              <a:prstGeom prst="rect">
+                <a:avLst/>
+              </a:prstGeom>
+              <a:blipFill>
+                <a:blip r:embed="rId4"/>
+                <a:stretch>
+                  <a:fillRect/>
+                </a:stretch>
+              </a:blipFill>
+            </p:spPr>
+            <p:txBody>
+              <a:bodyPr/>
+              <a:lstStyle/>
+              <a:p>
+                <a:r>
+                  <a:rPr lang="de-DE">
+                    <a:noFill/>
+                  </a:rPr>
+                  <a:t> </a:t>
+                </a:r>
+              </a:p>
+            </p:txBody>
+          </p:sp>
+        </mc:Fallback>
+      </mc:AlternateContent>
+      <mc:AlternateContent xmlns:mc="http://schemas.openxmlformats.org/markup-compatibility/2006">
+        <mc:Choice xmlns:a14="http://schemas.microsoft.com/office/drawing/2010/main" Requires="a14">
+          <p:sp>
+            <p:nvSpPr>
+              <p:cNvPr id="23" name="Textfeld 22">
+                <a:extLst>
+                  <a:ext uri="{FF2B5EF4-FFF2-40B4-BE49-F238E27FC236}">
+                    <a16:creationId xmlns:a16="http://schemas.microsoft.com/office/drawing/2014/main" id="{6618FA38-DA15-4D2F-A230-D78F8D29CDFE}"/>
+                  </a:ext>
+                </a:extLst>
+              </p:cNvPr>
+              <p:cNvSpPr txBox="1"/>
+              <p:nvPr/>
+            </p:nvSpPr>
+            <p:spPr>
+              <a:xfrm>
+                <a:off x="3143984" y="4057871"/>
+                <a:ext cx="683245" cy="295017"/>
+              </a:xfrm>
+              <a:prstGeom prst="rect">
+                <a:avLst/>
+              </a:prstGeom>
+              <a:noFill/>
+            </p:spPr>
+            <p:txBody>
+              <a:bodyPr wrap="square" lIns="0" tIns="0" rIns="0" bIns="0" rtlCol="0">
+                <a:spAutoFit/>
+              </a:bodyPr>
+              <a:lstStyle/>
+              <a:p>
+                <a14:m>
+                  <m:oMathPara xmlns:m="http://schemas.openxmlformats.org/officeDocument/2006/math">
+                    <m:oMathParaPr>
+                      <m:jc m:val="centerGroup"/>
+                    </m:oMathParaPr>
+                    <m:oMath xmlns:m="http://schemas.openxmlformats.org/officeDocument/2006/math">
+                      <m:sSub>
+                        <m:sSubPr>
+                          <m:ctrlPr>
+                            <a:rPr lang="de-DE" b="0" i="1" smtClean="0">
+                              <a:latin typeface="Cambria Math" panose="02040503050406030204" pitchFamily="18" charset="0"/>
+                            </a:rPr>
+                          </m:ctrlPr>
+                        </m:sSubPr>
+                        <m:e>
+                          <m:r>
+                            <m:rPr>
+                              <m:sty m:val="p"/>
+                            </m:rPr>
+                            <a:rPr lang="de-DE" b="0" i="0" smtClean="0">
+                              <a:latin typeface="Cambria Math" panose="02040503050406030204" pitchFamily="18" charset="0"/>
+                            </a:rPr>
+                            <m:t>Φ</m:t>
+                          </m:r>
+                        </m:e>
+                        <m:sub>
+                          <m:r>
+                            <m:rPr>
+                              <m:nor/>
+                            </m:rPr>
+                            <a:rPr lang="de-DE" b="0" i="0" smtClean="0">
+                              <a:latin typeface="Cambria Math" panose="02040503050406030204" pitchFamily="18" charset="0"/>
+                            </a:rPr>
+                            <m:t>h</m:t>
+                          </m:r>
+                        </m:sub>
+                      </m:sSub>
+                    </m:oMath>
+                  </m:oMathPara>
+                </a14:m>
+                <a:br>
+                  <a:rPr lang="de-DE" b="0" dirty="0"/>
+                </a:br>
+                <a:endParaRPr lang="de-DE" dirty="0"/>
+              </a:p>
+            </p:txBody>
+          </p:sp>
+        </mc:Choice>
+        <mc:Fallback>
+          <p:sp>
+            <p:nvSpPr>
+              <p:cNvPr id="23" name="Textfeld 22">
+                <a:extLst>
+                  <a:ext uri="{FF2B5EF4-FFF2-40B4-BE49-F238E27FC236}">
+                    <a16:creationId xmlns:a16="http://schemas.microsoft.com/office/drawing/2014/main" id="{6618FA38-DA15-4D2F-A230-D78F8D29CDFE}"/>
+                  </a:ext>
+                </a:extLst>
+              </p:cNvPr>
+              <p:cNvSpPr txBox="1">
+                <a:spLocks noRot="1" noChangeAspect="1" noMove="1" noResize="1" noEditPoints="1" noAdjustHandles="1" noChangeArrowheads="1" noChangeShapeType="1" noTextEdit="1"/>
+              </p:cNvSpPr>
+              <p:nvPr/>
+            </p:nvSpPr>
+            <p:spPr>
+              <a:xfrm>
+                <a:off x="3143984" y="4057871"/>
+                <a:ext cx="683245" cy="295017"/>
+              </a:xfrm>
+              <a:prstGeom prst="rect">
+                <a:avLst/>
+              </a:prstGeom>
+              <a:blipFill>
+                <a:blip r:embed="rId5"/>
+                <a:stretch>
+                  <a:fillRect b="-29167"/>
+                </a:stretch>
+              </a:blipFill>
+            </p:spPr>
+            <p:txBody>
+              <a:bodyPr/>
+              <a:lstStyle/>
+              <a:p>
+                <a:r>
+                  <a:rPr lang="de-DE">
+                    <a:noFill/>
+                  </a:rPr>
+                  <a:t> </a:t>
+                </a:r>
+              </a:p>
+            </p:txBody>
+          </p:sp>
+        </mc:Fallback>
+      </mc:AlternateContent>
+      <mc:AlternateContent xmlns:mc="http://schemas.openxmlformats.org/markup-compatibility/2006">
+        <mc:Choice xmlns:a14="http://schemas.microsoft.com/office/drawing/2010/main" Requires="a14">
+          <p:sp>
+            <p:nvSpPr>
+              <p:cNvPr id="24" name="Textfeld 23">
+                <a:extLst>
+                  <a:ext uri="{FF2B5EF4-FFF2-40B4-BE49-F238E27FC236}">
+                    <a16:creationId xmlns:a16="http://schemas.microsoft.com/office/drawing/2014/main" id="{1338E60B-D37C-4301-A36C-F4651E53B478}"/>
+                  </a:ext>
+                </a:extLst>
+              </p:cNvPr>
+              <p:cNvSpPr txBox="1"/>
+              <p:nvPr/>
+            </p:nvSpPr>
+            <p:spPr>
+              <a:xfrm>
+                <a:off x="8333420" y="2342129"/>
+                <a:ext cx="683245" cy="277064"/>
+              </a:xfrm>
+              <a:prstGeom prst="rect">
+                <a:avLst/>
+              </a:prstGeom>
+              <a:noFill/>
+            </p:spPr>
+            <p:txBody>
+              <a:bodyPr wrap="square" lIns="0" tIns="0" rIns="0" bIns="0" rtlCol="0">
+                <a:spAutoFit/>
+              </a:bodyPr>
+              <a:lstStyle/>
+              <a:p>
+                <a14:m>
+                  <m:oMathPara xmlns:m="http://schemas.openxmlformats.org/officeDocument/2006/math">
+                    <m:oMathParaPr>
+                      <m:jc m:val="centerGroup"/>
+                    </m:oMathParaPr>
+                    <m:oMath xmlns:m="http://schemas.openxmlformats.org/officeDocument/2006/math">
+                      <m:sSub>
+                        <m:sSubPr>
+                          <m:ctrlPr>
+                            <a:rPr lang="de-DE" b="0" i="1" smtClean="0">
+                              <a:latin typeface="Cambria Math" panose="02040503050406030204" pitchFamily="18" charset="0"/>
+                            </a:rPr>
+                          </m:ctrlPr>
+                        </m:sSubPr>
+                        <m:e>
+                          <m:r>
+                            <m:rPr>
+                              <m:sty m:val="p"/>
+                            </m:rPr>
+                            <a:rPr lang="de-DE" b="0" i="0" smtClean="0">
+                              <a:latin typeface="Cambria Math" panose="02040503050406030204" pitchFamily="18" charset="0"/>
+                            </a:rPr>
+                            <m:t>Φ</m:t>
+                          </m:r>
+                        </m:e>
+                        <m:sub>
+                          <m:r>
+                            <m:rPr>
+                              <m:nor/>
+                            </m:rPr>
+                            <a:rPr lang="de-DE" b="0" i="0" smtClean="0">
+                              <a:latin typeface="Cambria Math" panose="02040503050406030204" pitchFamily="18" charset="0"/>
+                            </a:rPr>
+                            <m:t>e</m:t>
+                          </m:r>
+                        </m:sub>
+                      </m:sSub>
+                    </m:oMath>
+                  </m:oMathPara>
+                </a14:m>
+                <a:br>
+                  <a:rPr lang="de-DE" b="0" dirty="0"/>
+                </a:br>
+                <a:endParaRPr lang="de-DE" dirty="0"/>
+              </a:p>
+            </p:txBody>
+          </p:sp>
+        </mc:Choice>
+        <mc:Fallback>
+          <p:sp>
+            <p:nvSpPr>
+              <p:cNvPr id="24" name="Textfeld 23">
+                <a:extLst>
+                  <a:ext uri="{FF2B5EF4-FFF2-40B4-BE49-F238E27FC236}">
+                    <a16:creationId xmlns:a16="http://schemas.microsoft.com/office/drawing/2014/main" id="{1338E60B-D37C-4301-A36C-F4651E53B478}"/>
+                  </a:ext>
+                </a:extLst>
+              </p:cNvPr>
+              <p:cNvSpPr txBox="1">
+                <a:spLocks noRot="1" noChangeAspect="1" noMove="1" noResize="1" noEditPoints="1" noAdjustHandles="1" noChangeArrowheads="1" noChangeShapeType="1" noTextEdit="1"/>
+              </p:cNvSpPr>
+              <p:nvPr/>
+            </p:nvSpPr>
+            <p:spPr>
+              <a:xfrm>
+                <a:off x="8333420" y="2342129"/>
+                <a:ext cx="683245" cy="277064"/>
+              </a:xfrm>
+              <a:prstGeom prst="rect">
+                <a:avLst/>
+              </a:prstGeom>
+              <a:blipFill>
+                <a:blip r:embed="rId6"/>
+                <a:stretch>
+                  <a:fillRect b="-17391"/>
+                </a:stretch>
+              </a:blipFill>
+            </p:spPr>
+            <p:txBody>
+              <a:bodyPr/>
+              <a:lstStyle/>
+              <a:p>
+                <a:r>
+                  <a:rPr lang="de-DE">
+                    <a:noFill/>
+                  </a:rPr>
+                  <a:t> </a:t>
+                </a:r>
+              </a:p>
+            </p:txBody>
+          </p:sp>
+        </mc:Fallback>
+      </mc:AlternateContent>
+      <p:sp>
+        <p:nvSpPr>
+          <p:cNvPr id="26" name="Textfeld 25">
+            <a:extLst>
+              <a:ext uri="{FF2B5EF4-FFF2-40B4-BE49-F238E27FC236}">
+                <a16:creationId xmlns:a16="http://schemas.microsoft.com/office/drawing/2014/main" id="{EE0F4AE4-D6EB-40DB-AB6A-C2549A76C8E0}"/>
+              </a:ext>
+            </a:extLst>
+          </p:cNvPr>
+          <p:cNvSpPr txBox="1"/>
+          <p:nvPr/>
+        </p:nvSpPr>
+        <p:spPr>
+          <a:xfrm>
+            <a:off x="2542200" y="4890565"/>
+            <a:ext cx="808235" cy="369332"/>
+          </a:xfrm>
+          <a:prstGeom prst="rect">
+            <a:avLst/>
+          </a:prstGeom>
+          <a:noFill/>
+        </p:spPr>
+        <p:txBody>
+          <a:bodyPr wrap="none" rtlCol="0">
+            <a:spAutoFit/>
+          </a:bodyPr>
+          <a:lstStyle/>
+          <a:p>
+            <a:r>
+              <a:rPr lang="de-DE" dirty="0"/>
+              <a:t>Anode</a:t>
+            </a:r>
+          </a:p>
+        </p:txBody>
+      </p:sp>
+      <p:sp>
+        <p:nvSpPr>
+          <p:cNvPr id="27" name="Textfeld 26">
+            <a:extLst>
+              <a:ext uri="{FF2B5EF4-FFF2-40B4-BE49-F238E27FC236}">
+                <a16:creationId xmlns:a16="http://schemas.microsoft.com/office/drawing/2014/main" id="{F75BC534-F081-4770-92A0-CD7F8516FC55}"/>
+              </a:ext>
+            </a:extLst>
+          </p:cNvPr>
+          <p:cNvSpPr txBox="1"/>
+          <p:nvPr/>
+        </p:nvSpPr>
+        <p:spPr>
+          <a:xfrm>
+            <a:off x="8691891" y="3688539"/>
+            <a:ext cx="979755" cy="369332"/>
+          </a:xfrm>
+          <a:prstGeom prst="rect">
+            <a:avLst/>
+          </a:prstGeom>
+          <a:noFill/>
+        </p:spPr>
+        <p:txBody>
+          <a:bodyPr wrap="none" rtlCol="0">
+            <a:spAutoFit/>
+          </a:bodyPr>
+          <a:lstStyle/>
+          <a:p>
+            <a:r>
+              <a:rPr lang="de-DE" dirty="0"/>
+              <a:t>Kathode</a:t>
+            </a:r>
+          </a:p>
+        </p:txBody>
+      </p:sp>
+      <p:sp>
+        <p:nvSpPr>
+          <p:cNvPr id="29" name="Textfeld 28">
+            <a:extLst>
+              <a:ext uri="{FF2B5EF4-FFF2-40B4-BE49-F238E27FC236}">
+                <a16:creationId xmlns:a16="http://schemas.microsoft.com/office/drawing/2014/main" id="{5300778D-4935-4F2E-8CBA-CAB8B773AE4D}"/>
+              </a:ext>
+            </a:extLst>
+          </p:cNvPr>
+          <p:cNvSpPr txBox="1"/>
+          <p:nvPr/>
+        </p:nvSpPr>
+        <p:spPr>
+          <a:xfrm>
+            <a:off x="5894107" y="4538006"/>
+            <a:ext cx="914033" cy="369332"/>
+          </a:xfrm>
+          <a:prstGeom prst="rect">
+            <a:avLst/>
+          </a:prstGeom>
+          <a:noFill/>
+        </p:spPr>
+        <p:txBody>
+          <a:bodyPr wrap="none" rtlCol="0">
+            <a:spAutoFit/>
+          </a:bodyPr>
+          <a:lstStyle/>
+          <a:p>
+            <a:r>
+              <a:rPr lang="de-DE" dirty="0"/>
+              <a:t>HOMO</a:t>
+            </a:r>
+          </a:p>
+        </p:txBody>
+      </p:sp>
+      <p:sp>
+        <p:nvSpPr>
+          <p:cNvPr id="30" name="Textfeld 29">
+            <a:extLst>
+              <a:ext uri="{FF2B5EF4-FFF2-40B4-BE49-F238E27FC236}">
+                <a16:creationId xmlns:a16="http://schemas.microsoft.com/office/drawing/2014/main" id="{01DA1C2B-A018-4ECD-8C71-1ABADDF90353}"/>
+              </a:ext>
+            </a:extLst>
+          </p:cNvPr>
+          <p:cNvSpPr txBox="1"/>
+          <p:nvPr/>
+        </p:nvSpPr>
+        <p:spPr>
+          <a:xfrm>
+            <a:off x="5894107" y="1857125"/>
+            <a:ext cx="832279" cy="369332"/>
+          </a:xfrm>
+          <a:prstGeom prst="rect">
+            <a:avLst/>
+          </a:prstGeom>
+          <a:noFill/>
+        </p:spPr>
+        <p:txBody>
+          <a:bodyPr wrap="none" rtlCol="0">
+            <a:spAutoFit/>
+          </a:bodyPr>
+          <a:lstStyle/>
+          <a:p>
+            <a:r>
+              <a:rPr lang="de-DE" dirty="0"/>
+              <a:t>LUMO</a:t>
+            </a:r>
+          </a:p>
+        </p:txBody>
+      </p:sp>
+      <p:sp>
+        <p:nvSpPr>
+          <p:cNvPr id="32" name="Rechteck 31">
+            <a:extLst>
+              <a:ext uri="{FF2B5EF4-FFF2-40B4-BE49-F238E27FC236}">
+                <a16:creationId xmlns:a16="http://schemas.microsoft.com/office/drawing/2014/main" id="{E2B6A31F-7AFD-4C5F-A90B-6E485A96EBC6}"/>
+              </a:ext>
+            </a:extLst>
+          </p:cNvPr>
+          <p:cNvSpPr/>
+          <p:nvPr/>
+        </p:nvSpPr>
+        <p:spPr>
+          <a:xfrm>
+            <a:off x="3170659" y="5422206"/>
+            <a:ext cx="6285375" cy="369332"/>
+          </a:xfrm>
+          <a:prstGeom prst="rect">
+            <a:avLst/>
+          </a:prstGeom>
+        </p:spPr>
+        <p:txBody>
+          <a:bodyPr wrap="none">
+            <a:spAutoFit/>
+          </a:bodyPr>
+          <a:lstStyle/>
+          <a:p>
+            <a:r>
+              <a:rPr lang="de-DE" dirty="0" err="1"/>
+              <a:t>Termschema</a:t>
+            </a:r>
+            <a:r>
+              <a:rPr lang="de-DE" dirty="0"/>
+              <a:t> und Ladungsträgerprozess in einer </a:t>
+            </a:r>
+            <a:r>
+              <a:rPr lang="de-DE" dirty="0" err="1"/>
+              <a:t>Einschicht</a:t>
+            </a:r>
+            <a:r>
+              <a:rPr lang="de-DE" dirty="0"/>
+              <a:t> OLED</a:t>
+            </a:r>
+          </a:p>
+        </p:txBody>
+      </p:sp>
+    </p:spTree>
+    <p:extLst>
+      <p:ext uri="{BB962C8B-B14F-4D97-AF65-F5344CB8AC3E}">
+        <p14:creationId xmlns:p14="http://schemas.microsoft.com/office/powerpoint/2010/main" val="2847852157"/>
+      </p:ext>
+    </p:extLst>
+  </p:cSld>
+  <p:clrMapOvr>
+    <a:masterClrMapping/>
+  </p:clrMapOvr>
+</p:sld>
+</file>
+
+<file path=ppt/slides/slide13.xml><?xml version="1.0" encoding="utf-8"?>
+<p:sld xmlns:a="http://schemas.openxmlformats.org/drawingml/2006/main" xmlns:r="http://schemas.openxmlformats.org/officeDocument/2006/relationships" xmlns:p="http://schemas.openxmlformats.org/presentationml/2006/main">
+  <p:cSld>
+    <p:spTree>
+      <p:nvGrpSpPr>
+        <p:cNvPr id="1" name=""/>
+        <p:cNvGrpSpPr/>
+        <p:nvPr/>
+      </p:nvGrpSpPr>
+      <p:grpSpPr>
+        <a:xfrm>
+          <a:off x="0" y="0"/>
+          <a:ext cx="0" cy="0"/>
+          <a:chOff x="0" y="0"/>
+          <a:chExt cx="0" cy="0"/>
+        </a:xfrm>
+      </p:grpSpPr>
+      <p:sp>
+        <p:nvSpPr>
+          <p:cNvPr id="2" name="Titel 1">
+            <a:extLst>
+              <a:ext uri="{FF2B5EF4-FFF2-40B4-BE49-F238E27FC236}">
+                <a16:creationId xmlns:a16="http://schemas.microsoft.com/office/drawing/2014/main" id="{517F3FCC-5D25-4ACC-9B5D-853852733A3D}"/>
+              </a:ext>
+            </a:extLst>
+          </p:cNvPr>
+          <p:cNvSpPr>
+            <a:spLocks noGrp="1"/>
+          </p:cNvSpPr>
+          <p:nvPr>
+            <p:ph type="title"/>
+          </p:nvPr>
+        </p:nvSpPr>
+        <p:spPr/>
+        <p:txBody>
+          <a:bodyPr/>
+          <a:lstStyle/>
+          <a:p>
+            <a:endParaRPr lang="de-DE"/>
+          </a:p>
+        </p:txBody>
+      </p:sp>
+      <p:sp>
+        <p:nvSpPr>
+          <p:cNvPr id="3" name="Inhaltsplatzhalter 2">
+            <a:extLst>
+              <a:ext uri="{FF2B5EF4-FFF2-40B4-BE49-F238E27FC236}">
+                <a16:creationId xmlns:a16="http://schemas.microsoft.com/office/drawing/2014/main" id="{3BAEFE2C-BF2A-4541-AE59-E7E6D1E91D81}"/>
+              </a:ext>
+            </a:extLst>
+          </p:cNvPr>
+          <p:cNvSpPr>
+            <a:spLocks noGrp="1"/>
+          </p:cNvSpPr>
+          <p:nvPr>
+            <p:ph idx="1"/>
+          </p:nvPr>
+        </p:nvSpPr>
+        <p:spPr/>
+        <p:txBody>
+          <a:bodyPr/>
+          <a:lstStyle/>
+          <a:p>
+            <a:endParaRPr lang="de-DE" dirty="0"/>
+          </a:p>
+        </p:txBody>
+      </p:sp>
+      <p:sp>
+        <p:nvSpPr>
+          <p:cNvPr id="4" name="Foliennummernplatzhalter 3">
+            <a:extLst>
+              <a:ext uri="{FF2B5EF4-FFF2-40B4-BE49-F238E27FC236}">
+                <a16:creationId xmlns:a16="http://schemas.microsoft.com/office/drawing/2014/main" id="{E4A57523-8C0F-4558-BF10-C94FE6E1059C}"/>
+              </a:ext>
+            </a:extLst>
+          </p:cNvPr>
+          <p:cNvSpPr>
+            <a:spLocks noGrp="1"/>
+          </p:cNvSpPr>
+          <p:nvPr>
+            <p:ph type="sldNum" sz="quarter" idx="12"/>
+          </p:nvPr>
+        </p:nvSpPr>
+        <p:spPr/>
+        <p:txBody>
+          <a:bodyPr/>
+          <a:lstStyle/>
+          <a:p>
+            <a:fld id="{71766878-3199-4EAB-94E7-2D6D11070E14}" type="slidenum">
+              <a:rPr lang="en-US" smtClean="0"/>
+              <a:t>13</a:t>
+            </a:fld>
+            <a:endParaRPr lang="en-US" dirty="0"/>
+          </a:p>
+        </p:txBody>
+      </p:sp>
+      <p:sp>
+        <p:nvSpPr>
+          <p:cNvPr id="5" name="Rechteck 4">
+            <a:extLst>
+              <a:ext uri="{FF2B5EF4-FFF2-40B4-BE49-F238E27FC236}">
+                <a16:creationId xmlns:a16="http://schemas.microsoft.com/office/drawing/2014/main" id="{89F0F0E9-C9B1-44D4-BF71-09F475900319}"/>
+              </a:ext>
+            </a:extLst>
+          </p:cNvPr>
+          <p:cNvSpPr/>
+          <p:nvPr/>
+        </p:nvSpPr>
+        <p:spPr>
+          <a:xfrm>
+            <a:off x="2717800" y="2908300"/>
+            <a:ext cx="1587500" cy="863600"/>
+          </a:xfrm>
+          <a:prstGeom prst="rect">
+            <a:avLst/>
+          </a:prstGeom>
+        </p:spPr>
+        <p:style>
+          <a:lnRef idx="2">
+            <a:schemeClr val="accent1">
+              <a:shade val="50000"/>
+            </a:schemeClr>
+          </a:lnRef>
+          <a:fillRef idx="1">
+            <a:schemeClr val="accent1"/>
+          </a:fillRef>
+          <a:effectRef idx="0">
+            <a:schemeClr val="accent1"/>
+          </a:effectRef>
+          <a:fontRef idx="minor">
+            <a:schemeClr val="lt1"/>
+          </a:fontRef>
+        </p:style>
+        <p:txBody>
+          <a:bodyPr rtlCol="0" anchor="ctr"/>
+          <a:lstStyle/>
+          <a:p>
+            <a:pPr algn="ctr"/>
+            <a:endParaRPr lang="de-DE"/>
+          </a:p>
+        </p:txBody>
+      </p:sp>
+      <p:sp>
+        <p:nvSpPr>
+          <p:cNvPr id="6" name="Rechteck 5">
+            <a:extLst>
+              <a:ext uri="{FF2B5EF4-FFF2-40B4-BE49-F238E27FC236}">
+                <a16:creationId xmlns:a16="http://schemas.microsoft.com/office/drawing/2014/main" id="{93D4164D-2B32-4E1B-8D6B-1C3BBE57EB2A}"/>
+              </a:ext>
+            </a:extLst>
+          </p:cNvPr>
+          <p:cNvSpPr/>
+          <p:nvPr/>
+        </p:nvSpPr>
+        <p:spPr>
+          <a:xfrm>
+            <a:off x="5194298" y="2895600"/>
+            <a:ext cx="1384300" cy="863600"/>
+          </a:xfrm>
+          <a:prstGeom prst="rect">
+            <a:avLst/>
+          </a:prstGeom>
+          <a:solidFill>
+            <a:schemeClr val="accent2"/>
+          </a:solidFill>
+        </p:spPr>
+        <p:style>
+          <a:lnRef idx="2">
+            <a:schemeClr val="accent1">
+              <a:shade val="50000"/>
+            </a:schemeClr>
+          </a:lnRef>
+          <a:fillRef idx="1">
+            <a:schemeClr val="accent1"/>
+          </a:fillRef>
+          <a:effectRef idx="0">
+            <a:schemeClr val="accent1"/>
+          </a:effectRef>
+          <a:fontRef idx="minor">
+            <a:schemeClr val="lt1"/>
+          </a:fontRef>
+        </p:style>
+        <p:txBody>
+          <a:bodyPr rtlCol="0" anchor="ctr"/>
+          <a:lstStyle/>
+          <a:p>
+            <a:pPr algn="ctr"/>
+            <a:endParaRPr lang="de-DE">
+              <a:solidFill>
+                <a:schemeClr val="accent2"/>
+              </a:solidFill>
+            </a:endParaRPr>
+          </a:p>
+        </p:txBody>
+      </p:sp>
+      <p:sp>
+        <p:nvSpPr>
+          <p:cNvPr id="7" name="Rechteck 6">
+            <a:extLst>
+              <a:ext uri="{FF2B5EF4-FFF2-40B4-BE49-F238E27FC236}">
+                <a16:creationId xmlns:a16="http://schemas.microsoft.com/office/drawing/2014/main" id="{58D249E0-8658-429D-B5FB-7D56C1747F5C}"/>
+              </a:ext>
+            </a:extLst>
+          </p:cNvPr>
+          <p:cNvSpPr/>
+          <p:nvPr/>
+        </p:nvSpPr>
+        <p:spPr>
+          <a:xfrm>
+            <a:off x="7797800" y="3225800"/>
+            <a:ext cx="2032000" cy="863600"/>
+          </a:xfrm>
+          <a:prstGeom prst="rect">
+            <a:avLst/>
+          </a:prstGeom>
+          <a:solidFill>
+            <a:schemeClr val="accent3"/>
+          </a:solidFill>
+        </p:spPr>
+        <p:style>
+          <a:lnRef idx="2">
+            <a:schemeClr val="accent1">
+              <a:shade val="50000"/>
+            </a:schemeClr>
+          </a:lnRef>
+          <a:fillRef idx="1">
+            <a:schemeClr val="accent1"/>
+          </a:fillRef>
+          <a:effectRef idx="0">
+            <a:schemeClr val="accent1"/>
+          </a:effectRef>
+          <a:fontRef idx="minor">
+            <a:schemeClr val="lt1"/>
+          </a:fontRef>
+        </p:style>
+        <p:txBody>
+          <a:bodyPr rtlCol="0" anchor="ctr"/>
+          <a:lstStyle/>
+          <a:p>
+            <a:pPr algn="ctr"/>
+            <a:endParaRPr lang="de-DE"/>
+          </a:p>
+        </p:txBody>
+      </p:sp>
+      <p:sp>
+        <p:nvSpPr>
+          <p:cNvPr id="8" name="Rechteck 7">
+            <a:extLst>
+              <a:ext uri="{FF2B5EF4-FFF2-40B4-BE49-F238E27FC236}">
+                <a16:creationId xmlns:a16="http://schemas.microsoft.com/office/drawing/2014/main" id="{59360E2C-8EDE-4A28-BC86-34630DD4D1F8}"/>
+              </a:ext>
+            </a:extLst>
+          </p:cNvPr>
+          <p:cNvSpPr/>
+          <p:nvPr/>
+        </p:nvSpPr>
+        <p:spPr>
+          <a:xfrm>
+            <a:off x="2717800" y="4851400"/>
+            <a:ext cx="1968500" cy="1028192"/>
+          </a:xfrm>
+          <a:prstGeom prst="rect">
+            <a:avLst/>
+          </a:prstGeom>
+          <a:solidFill>
+            <a:schemeClr val="accent4"/>
+          </a:solidFill>
+        </p:spPr>
+        <p:style>
+          <a:lnRef idx="2">
+            <a:schemeClr val="accent1">
+              <a:shade val="50000"/>
+            </a:schemeClr>
+          </a:lnRef>
+          <a:fillRef idx="1">
+            <a:schemeClr val="accent1"/>
+          </a:fillRef>
+          <a:effectRef idx="0">
+            <a:schemeClr val="accent1"/>
+          </a:effectRef>
+          <a:fontRef idx="minor">
+            <a:schemeClr val="lt1"/>
+          </a:fontRef>
+        </p:style>
+        <p:txBody>
+          <a:bodyPr rtlCol="0" anchor="ctr"/>
+          <a:lstStyle/>
+          <a:p>
+            <a:pPr algn="ctr"/>
+            <a:endParaRPr lang="de-DE"/>
+          </a:p>
+        </p:txBody>
+      </p:sp>
+      <p:sp>
+        <p:nvSpPr>
+          <p:cNvPr id="9" name="Rechteck 8">
+            <a:extLst>
+              <a:ext uri="{FF2B5EF4-FFF2-40B4-BE49-F238E27FC236}">
+                <a16:creationId xmlns:a16="http://schemas.microsoft.com/office/drawing/2014/main" id="{E8334815-D123-450B-AC30-D175115D0E23}"/>
+              </a:ext>
+            </a:extLst>
+          </p:cNvPr>
+          <p:cNvSpPr/>
+          <p:nvPr/>
+        </p:nvSpPr>
+        <p:spPr>
+          <a:xfrm>
+            <a:off x="6096000" y="4851400"/>
+            <a:ext cx="1409702" cy="863600"/>
+          </a:xfrm>
+          <a:prstGeom prst="rect">
+            <a:avLst/>
+          </a:prstGeom>
+          <a:solidFill>
+            <a:schemeClr val="accent5"/>
+          </a:solidFill>
+        </p:spPr>
+        <p:style>
+          <a:lnRef idx="2">
+            <a:schemeClr val="accent1">
+              <a:shade val="50000"/>
+            </a:schemeClr>
+          </a:lnRef>
+          <a:fillRef idx="1">
+            <a:schemeClr val="accent1"/>
+          </a:fillRef>
+          <a:effectRef idx="0">
+            <a:schemeClr val="accent1"/>
+          </a:effectRef>
+          <a:fontRef idx="minor">
+            <a:schemeClr val="lt1"/>
+          </a:fontRef>
+        </p:style>
+        <p:txBody>
+          <a:bodyPr rtlCol="0" anchor="ctr"/>
+          <a:lstStyle/>
+          <a:p>
+            <a:pPr algn="ctr"/>
+            <a:endParaRPr lang="de-DE"/>
+          </a:p>
+        </p:txBody>
+      </p:sp>
+      <p:sp>
+        <p:nvSpPr>
+          <p:cNvPr id="10" name="Fußzeilenplatzhalter 9">
+            <a:extLst>
+              <a:ext uri="{FF2B5EF4-FFF2-40B4-BE49-F238E27FC236}">
+                <a16:creationId xmlns:a16="http://schemas.microsoft.com/office/drawing/2014/main" id="{F4B852EF-0ECA-42FA-A485-4F9E896AB4BA}"/>
+              </a:ext>
+            </a:extLst>
+          </p:cNvPr>
+          <p:cNvSpPr>
+            <a:spLocks noGrp="1"/>
+          </p:cNvSpPr>
+          <p:nvPr>
+            <p:ph type="ftr" sz="quarter" idx="11"/>
+          </p:nvPr>
+        </p:nvSpPr>
+        <p:spPr/>
+        <p:txBody>
+          <a:bodyPr/>
+          <a:lstStyle/>
+          <a:p>
+            <a:r>
+              <a:rPr lang="en-US"/>
+              <a:t>Physics of Organic Semiconductors, Wolfgang Brütting, 2005, Wiley-VCH;  2. Molecular Orbital Analysis of Ethene Dimerisation, Dr. Ian Hunt, University of Calgary, http://www.chem.ucalgary.ca/courses/351/Carey5th/Ch10/ch10-6-4.html</a:t>
+            </a:r>
+            <a:endParaRPr lang="en-US" dirty="0"/>
+          </a:p>
+        </p:txBody>
+      </p:sp>
+    </p:spTree>
+    <p:extLst>
+      <p:ext uri="{BB962C8B-B14F-4D97-AF65-F5344CB8AC3E}">
+        <p14:creationId xmlns:p14="http://schemas.microsoft.com/office/powerpoint/2010/main" val="892804789"/>
       </p:ext>
     </p:extLst>
   </p:cSld>
@@ -7649,10 +10312,37 @@
           <a:lstStyle/>
           <a:p>
             <a:r>
-              <a:rPr lang="en-US"/>
-              <a:t>1. Organische Molekulare Festkörper, Markus Schwoerer und Hans Christoph Wolf, 2005, Wiley-VCH</a:t>
-            </a:r>
-            <a:endParaRPr lang="en-US" dirty="0"/>
+              <a:rPr lang="en-US" dirty="0" err="1"/>
+              <a:t>Organische</a:t>
+            </a:r>
+            <a:r>
+              <a:rPr lang="en-US" dirty="0"/>
+              <a:t> </a:t>
+            </a:r>
+            <a:r>
+              <a:rPr lang="en-US" dirty="0" err="1"/>
+              <a:t>Molekulare</a:t>
+            </a:r>
+            <a:r>
+              <a:rPr lang="en-US" dirty="0"/>
+              <a:t> </a:t>
+            </a:r>
+            <a:r>
+              <a:rPr lang="en-US" dirty="0" err="1"/>
+              <a:t>Festkörper</a:t>
+            </a:r>
+            <a:r>
+              <a:rPr lang="en-US" dirty="0"/>
+              <a:t>, Markus </a:t>
+            </a:r>
+            <a:r>
+              <a:rPr lang="en-US" dirty="0" err="1"/>
+              <a:t>Schwoerer</a:t>
+            </a:r>
+            <a:r>
+              <a:rPr lang="en-US" dirty="0"/>
+              <a:t> und Hans Christoph Wolf, 2005, WILEY-VCH</a:t>
+            </a:r>
           </a:p>
         </p:txBody>
       </p:sp>
@@ -7721,8 +10411,8 @@
           <a:chExt cx="0" cy="0"/>
         </a:xfrm>
       </p:grpSpPr>
-      <mc:AlternateContent xmlns:mc="http://schemas.openxmlformats.org/markup-compatibility/2006">
-        <mc:Choice xmlns:a14="http://schemas.microsoft.com/office/drawing/2010/main" Requires="a14">
+      <mc:AlternateContent xmlns:mc="http://schemas.openxmlformats.org/markup-compatibility/2006" xmlns:a14="http://schemas.microsoft.com/office/drawing/2010/main">
+        <mc:Choice Requires="a14">
           <p:sp>
             <p:nvSpPr>
               <p:cNvPr id="2" name="Titel 1">
@@ -7769,7 +10459,7 @@
             </p:txBody>
           </p:sp>
         </mc:Choice>
-        <mc:Fallback>
+        <mc:Fallback xmlns="">
           <p:sp>
             <p:nvSpPr>
               <p:cNvPr id="2" name="Titel 1">
@@ -7910,8 +10600,8 @@
           </a:p>
         </p:txBody>
       </p:sp>
-      <mc:AlternateContent xmlns:mc="http://schemas.openxmlformats.org/markup-compatibility/2006">
-        <mc:Choice xmlns:a14="http://schemas.microsoft.com/office/drawing/2010/main" Requires="a14">
+      <mc:AlternateContent xmlns:mc="http://schemas.openxmlformats.org/markup-compatibility/2006" xmlns:a14="http://schemas.microsoft.com/office/drawing/2010/main">
+        <mc:Choice Requires="a14">
           <p:sp>
             <p:nvSpPr>
               <p:cNvPr id="23" name="Textfeld 22">
@@ -7984,7 +10674,7 @@
             </p:txBody>
           </p:sp>
         </mc:Choice>
-        <mc:Fallback>
+        <mc:Fallback xmlns="">
           <p:sp>
             <p:nvSpPr>
               <p:cNvPr id="23" name="Textfeld 22">
@@ -8029,8 +10719,8 @@
           </p:sp>
         </mc:Fallback>
       </mc:AlternateContent>
-      <mc:AlternateContent xmlns:mc="http://schemas.openxmlformats.org/markup-compatibility/2006">
-        <mc:Choice xmlns:a14="http://schemas.microsoft.com/office/drawing/2010/main" Requires="a14">
+      <mc:AlternateContent xmlns:mc="http://schemas.openxmlformats.org/markup-compatibility/2006" xmlns:a14="http://schemas.microsoft.com/office/drawing/2010/main">
+        <mc:Choice Requires="a14">
           <p:sp>
             <p:nvSpPr>
               <p:cNvPr id="26" name="Textfeld 25">
@@ -8088,7 +10778,7 @@
             </p:txBody>
           </p:sp>
         </mc:Choice>
-        <mc:Fallback>
+        <mc:Fallback xmlns="">
           <p:sp>
             <p:nvSpPr>
               <p:cNvPr id="26" name="Textfeld 25">
@@ -8264,8 +10954,8 @@
           </a:p>
         </p:txBody>
       </p:sp>
-      <mc:AlternateContent xmlns:mc="http://schemas.openxmlformats.org/markup-compatibility/2006">
-        <mc:Choice xmlns:a14="http://schemas.microsoft.com/office/drawing/2010/main" Requires="a14">
+      <mc:AlternateContent xmlns:mc="http://schemas.openxmlformats.org/markup-compatibility/2006" xmlns:a14="http://schemas.microsoft.com/office/drawing/2010/main">
+        <mc:Choice Requires="a14">
           <p:sp>
             <p:nvSpPr>
               <p:cNvPr id="14" name="Textfeld 13">
@@ -8294,6 +10984,7 @@
               </a:bodyPr>
               <a:lstStyle/>
               <a:p>
+                <a:pPr/>
                 <a14:m>
                   <m:oMathPara xmlns:m="http://schemas.openxmlformats.org/officeDocument/2006/math">
                     <m:oMathParaPr>
@@ -8404,7 +11095,7 @@
             </p:txBody>
           </p:sp>
         </mc:Choice>
-        <mc:Fallback>
+        <mc:Fallback xmlns="">
           <p:sp>
             <p:nvSpPr>
               <p:cNvPr id="14" name="Textfeld 13">
@@ -8521,8 +11212,8 @@
           </a:prstGeom>
         </p:spPr>
       </p:pic>
-      <mc:AlternateContent xmlns:mc="http://schemas.openxmlformats.org/markup-compatibility/2006">
-        <mc:Choice xmlns:a14="http://schemas.microsoft.com/office/drawing/2010/main" Requires="a14">
+      <mc:AlternateContent xmlns:mc="http://schemas.openxmlformats.org/markup-compatibility/2006" xmlns:a14="http://schemas.microsoft.com/office/drawing/2010/main">
+        <mc:Choice Requires="a14">
           <p:sp>
             <p:nvSpPr>
               <p:cNvPr id="23" name="Textfeld 22">
@@ -8551,6 +11242,7 @@
               </a:bodyPr>
               <a:lstStyle/>
               <a:p>
+                <a:pPr/>
                 <a14:m>
                   <m:oMathPara xmlns:m="http://schemas.openxmlformats.org/officeDocument/2006/math">
                     <m:oMathParaPr>
@@ -8577,7 +11269,7 @@
             </p:txBody>
           </p:sp>
         </mc:Choice>
-        <mc:Fallback>
+        <mc:Fallback xmlns="">
           <p:sp>
             <p:nvSpPr>
               <p:cNvPr id="23" name="Textfeld 22">
@@ -8622,8 +11314,8 @@
           </p:sp>
         </mc:Fallback>
       </mc:AlternateContent>
-      <mc:AlternateContent xmlns:mc="http://schemas.openxmlformats.org/markup-compatibility/2006">
-        <mc:Choice xmlns:a14="http://schemas.microsoft.com/office/drawing/2010/main" Requires="a14">
+      <mc:AlternateContent xmlns:mc="http://schemas.openxmlformats.org/markup-compatibility/2006" xmlns:a14="http://schemas.microsoft.com/office/drawing/2010/main">
+        <mc:Choice Requires="a14">
           <p:sp>
             <p:nvSpPr>
               <p:cNvPr id="24" name="Textfeld 23">
@@ -8652,6 +11344,7 @@
               </a:bodyPr>
               <a:lstStyle/>
               <a:p>
+                <a:pPr/>
                 <a14:m>
                   <m:oMathPara xmlns:m="http://schemas.openxmlformats.org/officeDocument/2006/math">
                     <m:oMathParaPr>
@@ -8700,7 +11393,7 @@
             </p:txBody>
           </p:sp>
         </mc:Choice>
-        <mc:Fallback>
+        <mc:Fallback xmlns="">
           <p:sp>
             <p:nvSpPr>
               <p:cNvPr id="24" name="Textfeld 23">
@@ -8745,8 +11438,8 @@
           </p:sp>
         </mc:Fallback>
       </mc:AlternateContent>
-      <mc:AlternateContent xmlns:mc="http://schemas.openxmlformats.org/markup-compatibility/2006">
-        <mc:Choice xmlns:a14="http://schemas.microsoft.com/office/drawing/2010/main" Requires="a14">
+      <mc:AlternateContent xmlns:mc="http://schemas.openxmlformats.org/markup-compatibility/2006" xmlns:a14="http://schemas.microsoft.com/office/drawing/2010/main">
+        <mc:Choice Requires="a14">
           <p:sp>
             <p:nvSpPr>
               <p:cNvPr id="25" name="Textfeld 24">
@@ -8775,6 +11468,7 @@
               </a:bodyPr>
               <a:lstStyle/>
               <a:p>
+                <a:pPr/>
                 <a14:m>
                   <m:oMathPara xmlns:m="http://schemas.openxmlformats.org/officeDocument/2006/math">
                     <m:oMathParaPr>
@@ -8795,7 +11489,7 @@
             </p:txBody>
           </p:sp>
         </mc:Choice>
-        <mc:Fallback>
+        <mc:Fallback xmlns="">
           <p:sp>
             <p:nvSpPr>
               <p:cNvPr id="25" name="Textfeld 24">
@@ -8840,8 +11534,8 @@
           </p:sp>
         </mc:Fallback>
       </mc:AlternateContent>
-      <mc:AlternateContent xmlns:mc="http://schemas.openxmlformats.org/markup-compatibility/2006">
-        <mc:Choice xmlns:a14="http://schemas.microsoft.com/office/drawing/2010/main" Requires="a14">
+      <mc:AlternateContent xmlns:mc="http://schemas.openxmlformats.org/markup-compatibility/2006" xmlns:a14="http://schemas.microsoft.com/office/drawing/2010/main">
+        <mc:Choice Requires="a14">
           <p:sp>
             <p:nvSpPr>
               <p:cNvPr id="26" name="Textfeld 25">
@@ -8870,6 +11564,7 @@
               </a:bodyPr>
               <a:lstStyle/>
               <a:p>
+                <a:pPr/>
                 <a14:m>
                   <m:oMathPara xmlns:m="http://schemas.openxmlformats.org/officeDocument/2006/math">
                     <m:oMathParaPr>
@@ -8896,7 +11591,7 @@
             </p:txBody>
           </p:sp>
         </mc:Choice>
-        <mc:Fallback>
+        <mc:Fallback xmlns="">
           <p:sp>
             <p:nvSpPr>
               <p:cNvPr id="26" name="Textfeld 25">
@@ -8941,8 +11636,8 @@
           </p:sp>
         </mc:Fallback>
       </mc:AlternateContent>
-      <mc:AlternateContent xmlns:mc="http://schemas.openxmlformats.org/markup-compatibility/2006">
-        <mc:Choice xmlns:a14="http://schemas.microsoft.com/office/drawing/2010/main" Requires="a14">
+      <mc:AlternateContent xmlns:mc="http://schemas.openxmlformats.org/markup-compatibility/2006" xmlns:a14="http://schemas.microsoft.com/office/drawing/2010/main">
+        <mc:Choice Requires="a14">
           <p:sp>
             <p:nvSpPr>
               <p:cNvPr id="27" name="Textfeld 26">
@@ -8971,6 +11666,7 @@
               </a:bodyPr>
               <a:lstStyle/>
               <a:p>
+                <a:pPr/>
                 <a14:m>
                   <m:oMathPara xmlns:m="http://schemas.openxmlformats.org/officeDocument/2006/math">
                     <m:oMathParaPr>
@@ -8997,7 +11693,7 @@
             </p:txBody>
           </p:sp>
         </mc:Choice>
-        <mc:Fallback>
+        <mc:Fallback xmlns="">
           <p:sp>
             <p:nvSpPr>
               <p:cNvPr id="27" name="Textfeld 26">
@@ -9042,8 +11738,8 @@
           </p:sp>
         </mc:Fallback>
       </mc:AlternateContent>
-      <mc:AlternateContent xmlns:mc="http://schemas.openxmlformats.org/markup-compatibility/2006">
-        <mc:Choice xmlns:a14="http://schemas.microsoft.com/office/drawing/2010/main" Requires="a14">
+      <mc:AlternateContent xmlns:mc="http://schemas.openxmlformats.org/markup-compatibility/2006" xmlns:a14="http://schemas.microsoft.com/office/drawing/2010/main">
+        <mc:Choice Requires="a14">
           <p:sp>
             <p:nvSpPr>
               <p:cNvPr id="28" name="Textfeld 27">
@@ -9072,6 +11768,7 @@
               </a:bodyPr>
               <a:lstStyle/>
               <a:p>
+                <a:pPr/>
                 <a14:m>
                   <m:oMathPara xmlns:m="http://schemas.openxmlformats.org/officeDocument/2006/math">
                     <m:oMathParaPr>
@@ -9092,7 +11789,7 @@
             </p:txBody>
           </p:sp>
         </mc:Choice>
-        <mc:Fallback>
+        <mc:Fallback xmlns="">
           <p:sp>
             <p:nvSpPr>
               <p:cNvPr id="28" name="Textfeld 27">
@@ -9180,8 +11877,8 @@
           </a:p>
         </p:txBody>
       </p:sp>
-      <mc:AlternateContent xmlns:mc="http://schemas.openxmlformats.org/markup-compatibility/2006">
-        <mc:Choice xmlns:a14="http://schemas.microsoft.com/office/drawing/2010/main" Requires="a14">
+      <mc:AlternateContent xmlns:mc="http://schemas.openxmlformats.org/markup-compatibility/2006" xmlns:a14="http://schemas.microsoft.com/office/drawing/2010/main">
+        <mc:Choice Requires="a14">
           <p:sp>
             <p:nvSpPr>
               <p:cNvPr id="30" name="Rechteck 29">
@@ -9296,13 +11993,12 @@
                 <a:endParaRPr lang="de-DE" sz="2400" b="0" dirty="0"/>
               </a:p>
               <a:p>
-                <a:pPr/>
                 <a:endParaRPr lang="de-DE" dirty="0"/>
               </a:p>
             </p:txBody>
           </p:sp>
         </mc:Choice>
-        <mc:Fallback>
+        <mc:Fallback xmlns="">
           <p:sp>
             <p:nvSpPr>
               <p:cNvPr id="30" name="Rechteck 29">
@@ -9347,6 +12043,35 @@
           </p:sp>
         </mc:Fallback>
       </mc:AlternateContent>
+      <p:sp>
+        <p:nvSpPr>
+          <p:cNvPr id="3" name="Fußzeilenplatzhalter 2">
+            <a:extLst>
+              <a:ext uri="{FF2B5EF4-FFF2-40B4-BE49-F238E27FC236}">
+                <a16:creationId xmlns:a16="http://schemas.microsoft.com/office/drawing/2014/main" id="{9F129DB3-C6EC-4FA4-85FF-3A026EFEABD4}"/>
+              </a:ext>
+            </a:extLst>
+          </p:cNvPr>
+          <p:cNvSpPr>
+            <a:spLocks noGrp="1"/>
+          </p:cNvSpPr>
+          <p:nvPr>
+            <p:ph type="ftr" sz="quarter" idx="11"/>
+          </p:nvPr>
+        </p:nvSpPr>
+        <p:spPr/>
+        <p:txBody>
+          <a:bodyPr/>
+          <a:lstStyle/>
+          <a:p>
+            <a:r>
+              <a:rPr lang="de-DE"/>
+              <a:t>Elektronenkonfiguration des Kohlenstoff-Atoms im Überblick, Thomas Musolf, 2015, https://chemiezauber.de/inhalt/q1/aufbau-der-materie/bindungsmodelle/kohlenstoffverbindungen/845-elektronenkonfiguration-des-kohlenstoff-atoms-im-%C3%BCberblick.html</a:t>
+            </a:r>
+            <a:endParaRPr lang="en-US" dirty="0"/>
+          </a:p>
+        </p:txBody>
+      </p:sp>
     </p:spTree>
     <p:extLst>
       <p:ext uri="{BB962C8B-B14F-4D97-AF65-F5344CB8AC3E}">
@@ -9521,6 +12246,77 @@
           </a:prstGeom>
         </p:spPr>
       </p:pic>
+      <p:sp>
+        <p:nvSpPr>
+          <p:cNvPr id="3" name="Textfeld 2">
+            <a:extLst>
+              <a:ext uri="{FF2B5EF4-FFF2-40B4-BE49-F238E27FC236}">
+                <a16:creationId xmlns:a16="http://schemas.microsoft.com/office/drawing/2014/main" id="{5A9F15FF-1ABB-4808-8FD8-631BCB62F064}"/>
+              </a:ext>
+            </a:extLst>
+          </p:cNvPr>
+          <p:cNvSpPr txBox="1"/>
+          <p:nvPr/>
+        </p:nvSpPr>
+        <p:spPr>
+          <a:xfrm>
+            <a:off x="5089321" y="5699184"/>
+            <a:ext cx="1856764" cy="461665"/>
+          </a:xfrm>
+          <a:prstGeom prst="rect">
+            <a:avLst/>
+          </a:prstGeom>
+          <a:noFill/>
+        </p:spPr>
+        <p:txBody>
+          <a:bodyPr wrap="square" rtlCol="0">
+            <a:spAutoFit/>
+          </a:bodyPr>
+          <a:lstStyle/>
+          <a:p>
+            <a:r>
+              <a:rPr lang="de-DE" sz="2400" dirty="0" err="1"/>
+              <a:t>sp</a:t>
+            </a:r>
+            <a:r>
+              <a:rPr lang="de-DE" sz="2400" dirty="0"/>
+              <a:t> - Orbitale</a:t>
+            </a:r>
+          </a:p>
+        </p:txBody>
+      </p:sp>
+      <p:sp>
+        <p:nvSpPr>
+          <p:cNvPr id="5" name="Fußzeilenplatzhalter 4">
+            <a:extLst>
+              <a:ext uri="{FF2B5EF4-FFF2-40B4-BE49-F238E27FC236}">
+                <a16:creationId xmlns:a16="http://schemas.microsoft.com/office/drawing/2014/main" id="{8E1A3279-3865-4990-A2EB-481EEBC1D32F}"/>
+              </a:ext>
+            </a:extLst>
+          </p:cNvPr>
+          <p:cNvSpPr>
+            <a:spLocks noGrp="1"/>
+          </p:cNvSpPr>
+          <p:nvPr>
+            <p:ph type="ftr" sz="quarter" idx="11"/>
+          </p:nvPr>
+        </p:nvSpPr>
+        <p:spPr/>
+        <p:txBody>
+          <a:bodyPr/>
+          <a:lstStyle/>
+          <a:p>
+            <a:r>
+              <a:rPr lang="en-US" dirty="0" err="1"/>
+              <a:t>Nach</a:t>
+            </a:r>
+            <a:r>
+              <a:rPr lang="en-US" dirty="0"/>
+              <a:t>: sp^2 hybridization, Jay, Khan Academy, https://www.khanacademy.org/science/chemistry/chemical-bonds/hybridization-and-hybrid-orbitals-chemistry/v/sp2-hybridization-jay-final</a:t>
+            </a:r>
+          </a:p>
+        </p:txBody>
+      </p:sp>
     </p:spTree>
     <p:extLst>
       <p:ext uri="{BB962C8B-B14F-4D97-AF65-F5344CB8AC3E}">
@@ -9695,6 +12491,151 @@
           </a:prstGeom>
         </p:spPr>
       </p:pic>
+      <p:sp>
+        <p:nvSpPr>
+          <p:cNvPr id="8" name="Textfeld 7">
+            <a:extLst>
+              <a:ext uri="{FF2B5EF4-FFF2-40B4-BE49-F238E27FC236}">
+                <a16:creationId xmlns:a16="http://schemas.microsoft.com/office/drawing/2014/main" id="{48A9B17E-FE45-4120-81CC-F0FA2C560415}"/>
+              </a:ext>
+            </a:extLst>
+          </p:cNvPr>
+          <p:cNvSpPr txBox="1"/>
+          <p:nvPr/>
+        </p:nvSpPr>
+        <p:spPr>
+          <a:xfrm>
+            <a:off x="5167618" y="5682891"/>
+            <a:ext cx="1856764" cy="461665"/>
+          </a:xfrm>
+          <a:prstGeom prst="rect">
+            <a:avLst/>
+          </a:prstGeom>
+          <a:noFill/>
+        </p:spPr>
+        <p:txBody>
+          <a:bodyPr wrap="square" rtlCol="0">
+            <a:spAutoFit/>
+          </a:bodyPr>
+          <a:lstStyle/>
+          <a:p>
+            <a:r>
+              <a:rPr lang="de-DE" sz="2400" dirty="0"/>
+              <a:t>p - Orbitale</a:t>
+            </a:r>
+          </a:p>
+        </p:txBody>
+      </p:sp>
+      <p:sp>
+        <p:nvSpPr>
+          <p:cNvPr id="6" name="Fußzeilenplatzhalter 5">
+            <a:extLst>
+              <a:ext uri="{FF2B5EF4-FFF2-40B4-BE49-F238E27FC236}">
+                <a16:creationId xmlns:a16="http://schemas.microsoft.com/office/drawing/2014/main" id="{B8D47669-8295-4499-BE40-3F42612300AB}"/>
+              </a:ext>
+            </a:extLst>
+          </p:cNvPr>
+          <p:cNvSpPr>
+            <a:spLocks noGrp="1"/>
+          </p:cNvSpPr>
+          <p:nvPr>
+            <p:ph type="ftr" sz="quarter" idx="11"/>
+          </p:nvPr>
+        </p:nvSpPr>
+        <p:spPr/>
+        <p:txBody>
+          <a:bodyPr/>
+          <a:lstStyle/>
+          <a:p>
+            <a:r>
+              <a:rPr lang="en-US" dirty="0" err="1"/>
+              <a:t>Nach</a:t>
+            </a:r>
+            <a:r>
+              <a:rPr lang="en-US" dirty="0"/>
+              <a:t>: sp^2 hybridization, Jay, Khan Academy, https://www.khanacademy.org/science/chemistry/chemical-bonds/hybridization-and-hybrid-orbitals-chemistry/v/sp2-hybridization-jay-final</a:t>
+            </a:r>
+          </a:p>
+        </p:txBody>
+      </p:sp>
+      <p:cxnSp>
+        <p:nvCxnSpPr>
+          <p:cNvPr id="10" name="Gerader Verbinder 9">
+            <a:extLst>
+              <a:ext uri="{FF2B5EF4-FFF2-40B4-BE49-F238E27FC236}">
+                <a16:creationId xmlns:a16="http://schemas.microsoft.com/office/drawing/2014/main" id="{196D7F20-E4F3-4A16-A4E9-EBA425C64AB4}"/>
+              </a:ext>
+            </a:extLst>
+          </p:cNvPr>
+          <p:cNvCxnSpPr/>
+          <p:nvPr/>
+        </p:nvCxnSpPr>
+        <p:spPr>
+          <a:xfrm>
+            <a:off x="5373278" y="2988297"/>
+            <a:ext cx="1651104" cy="0"/>
+          </a:xfrm>
+          <a:prstGeom prst="line">
+            <a:avLst/>
+          </a:prstGeom>
+          <a:ln w="50800">
+            <a:prstDash val="dashDot"/>
+          </a:ln>
+        </p:spPr>
+        <p:style>
+          <a:lnRef idx="3">
+            <a:schemeClr val="accent3"/>
+          </a:lnRef>
+          <a:fillRef idx="0">
+            <a:schemeClr val="accent3"/>
+          </a:fillRef>
+          <a:effectRef idx="2">
+            <a:schemeClr val="accent3"/>
+          </a:effectRef>
+          <a:fontRef idx="minor">
+            <a:schemeClr val="tx1"/>
+          </a:fontRef>
+        </p:style>
+      </p:cxnSp>
+      <p:cxnSp>
+        <p:nvCxnSpPr>
+          <p:cNvPr id="12" name="Gerader Verbinder 11">
+            <a:extLst>
+              <a:ext uri="{FF2B5EF4-FFF2-40B4-BE49-F238E27FC236}">
+                <a16:creationId xmlns:a16="http://schemas.microsoft.com/office/drawing/2014/main" id="{EDFCFF70-74C8-4B09-892F-61C9677FB3FB}"/>
+              </a:ext>
+            </a:extLst>
+          </p:cNvPr>
+          <p:cNvCxnSpPr/>
+          <p:nvPr/>
+        </p:nvCxnSpPr>
+        <p:spPr>
+          <a:xfrm>
+            <a:off x="5373278" y="4856376"/>
+            <a:ext cx="1651104" cy="0"/>
+          </a:xfrm>
+          <a:prstGeom prst="line">
+            <a:avLst/>
+          </a:prstGeom>
+          <a:ln w="50800">
+            <a:prstDash val="dashDot"/>
+          </a:ln>
+        </p:spPr>
+        <p:style>
+          <a:lnRef idx="3">
+            <a:schemeClr val="accent3"/>
+          </a:lnRef>
+          <a:fillRef idx="0">
+            <a:schemeClr val="accent3"/>
+          </a:fillRef>
+          <a:effectRef idx="2">
+            <a:schemeClr val="accent3"/>
+          </a:effectRef>
+          <a:fontRef idx="minor">
+            <a:schemeClr val="tx1"/>
+          </a:fontRef>
+        </p:style>
+      </p:cxnSp>
     </p:spTree>
     <p:extLst>
       <p:ext uri="{BB962C8B-B14F-4D97-AF65-F5344CB8AC3E}">
@@ -9730,7 +12671,7 @@
           <p:cNvPr id="2" name="Titel 1">
             <a:extLst>
               <a:ext uri="{FF2B5EF4-FFF2-40B4-BE49-F238E27FC236}">
-                <a16:creationId xmlns:a16="http://schemas.microsoft.com/office/drawing/2014/main" id="{517F3FCC-5D25-4ACC-9B5D-853852733A3D}"/>
+                <a16:creationId xmlns:a16="http://schemas.microsoft.com/office/drawing/2014/main" id="{8D2B375A-BEE7-47D2-B74B-7B0CBDE55D76}"/>
               </a:ext>
             </a:extLst>
           </p:cNvPr>
@@ -9746,7 +12687,11 @@
           <a:bodyPr/>
           <a:lstStyle/>
           <a:p>
-            <a:endParaRPr lang="de-DE"/>
+            <a:pPr algn="ctr"/>
+            <a:r>
+              <a:rPr lang="de-DE" dirty="0"/>
+              <a:t>Organische Halbleiter</a:t>
+            </a:r>
           </a:p>
         </p:txBody>
       </p:sp>
@@ -9755,7 +12700,7 @@
           <p:cNvPr id="3" name="Inhaltsplatzhalter 2">
             <a:extLst>
               <a:ext uri="{FF2B5EF4-FFF2-40B4-BE49-F238E27FC236}">
-                <a16:creationId xmlns:a16="http://schemas.microsoft.com/office/drawing/2014/main" id="{3BAEFE2C-BF2A-4541-AE59-E7E6D1E91D81}"/>
+                <a16:creationId xmlns:a16="http://schemas.microsoft.com/office/drawing/2014/main" id="{EBF0708E-77F0-408A-ACE2-1CE74281DAC0}"/>
               </a:ext>
             </a:extLst>
           </p:cNvPr>
@@ -9766,11 +12711,52 @@
             <p:ph idx="1"/>
           </p:nvPr>
         </p:nvSpPr>
-        <p:spPr/>
+        <p:spPr>
+          <a:xfrm>
+            <a:off x="1251678" y="2275157"/>
+            <a:ext cx="10178322" cy="3593591"/>
+          </a:xfrm>
+        </p:spPr>
         <p:txBody>
           <a:bodyPr/>
           <a:lstStyle/>
           <a:p>
+            <a:pPr marL="0" indent="0" algn="ctr">
+              <a:buNone/>
+            </a:pPr>
+            <a:r>
+              <a:rPr lang="de-DE" dirty="0"/>
+              <a:t>2 Arten von organischen Halbleitern</a:t>
+            </a:r>
+          </a:p>
+          <a:p>
+            <a:pPr marL="0" indent="0" algn="ctr">
+              <a:buNone/>
+            </a:pPr>
+            <a:endParaRPr lang="de-DE" dirty="0"/>
+          </a:p>
+          <a:p>
+            <a:pPr marL="0" indent="0" algn="ctr">
+              <a:buNone/>
+            </a:pPr>
+            <a:endParaRPr lang="de-DE" dirty="0"/>
+          </a:p>
+          <a:p>
+            <a:pPr marL="0" indent="0" algn="ctr">
+              <a:buNone/>
+            </a:pPr>
+            <a:endParaRPr lang="de-DE" dirty="0"/>
+          </a:p>
+          <a:p>
+            <a:pPr marL="0" indent="0" algn="ctr">
+              <a:buNone/>
+            </a:pPr>
+            <a:endParaRPr lang="de-DE" dirty="0"/>
+          </a:p>
+          <a:p>
+            <a:pPr marL="0" indent="0" algn="ctr">
+              <a:buNone/>
+            </a:pPr>
             <a:endParaRPr lang="de-DE" dirty="0"/>
           </a:p>
         </p:txBody>
@@ -9780,7 +12766,7 @@
           <p:cNvPr id="4" name="Foliennummernplatzhalter 3">
             <a:extLst>
               <a:ext uri="{FF2B5EF4-FFF2-40B4-BE49-F238E27FC236}">
-                <a16:creationId xmlns:a16="http://schemas.microsoft.com/office/drawing/2014/main" id="{E4A57523-8C0F-4558-BF10-C94FE6E1059C}"/>
+                <a16:creationId xmlns:a16="http://schemas.microsoft.com/office/drawing/2014/main" id="{CF13D96F-42E1-4391-8772-A49D2F89CF33}"/>
               </a:ext>
             </a:extLst>
           </p:cNvPr>
@@ -9806,254 +12792,711 @@
       </p:sp>
       <p:sp>
         <p:nvSpPr>
-          <p:cNvPr id="5" name="Rechteck 4">
+          <p:cNvPr id="5" name="Fußzeilenplatzhalter 4">
             <a:extLst>
               <a:ext uri="{FF2B5EF4-FFF2-40B4-BE49-F238E27FC236}">
-                <a16:creationId xmlns:a16="http://schemas.microsoft.com/office/drawing/2014/main" id="{89F0F0E9-C9B1-44D4-BF71-09F475900319}"/>
+                <a16:creationId xmlns:a16="http://schemas.microsoft.com/office/drawing/2014/main" id="{8E8D23A8-D283-40AC-A730-2E0E951FC88F}"/>
               </a:ext>
             </a:extLst>
           </p:cNvPr>
-          <p:cNvSpPr/>
+          <p:cNvSpPr>
+            <a:spLocks noGrp="1"/>
+          </p:cNvSpPr>
+          <p:nvPr>
+            <p:ph type="ftr" sz="quarter" idx="11"/>
+          </p:nvPr>
+        </p:nvSpPr>
+        <p:spPr/>
+        <p:txBody>
+          <a:bodyPr/>
+          <a:lstStyle/>
+          <a:p>
+            <a:r>
+              <a:rPr lang="en-US"/>
+              <a:t>Physics of Organic Semiconductors, Wolfgang Brütting, 2005, Wiley-VCH;  2. Molecular Orbital Analysis of Ethene Dimerisation, Dr. Ian Hunt, University of Calgary, http://www.chem.ucalgary.ca/courses/351/Carey5th/Ch10/ch10-6-4.html</a:t>
+            </a:r>
+            <a:endParaRPr lang="en-US" dirty="0"/>
+          </a:p>
+        </p:txBody>
+      </p:sp>
+      <p:grpSp>
+        <p:nvGrpSpPr>
+          <p:cNvPr id="17" name="Gruppieren 16">
+            <a:extLst>
+              <a:ext uri="{FF2B5EF4-FFF2-40B4-BE49-F238E27FC236}">
+                <a16:creationId xmlns:a16="http://schemas.microsoft.com/office/drawing/2014/main" id="{D3431573-8B70-4E89-A39C-ED9BBB0C495A}"/>
+              </a:ext>
+            </a:extLst>
+          </p:cNvPr>
+          <p:cNvGrpSpPr/>
           <p:nvPr/>
+        </p:nvGrpSpPr>
+        <p:grpSpPr>
+          <a:xfrm>
+            <a:off x="3399934" y="2872004"/>
+            <a:ext cx="6966459" cy="2080730"/>
+            <a:chOff x="3503629" y="2249835"/>
+            <a:chExt cx="6966459" cy="2080730"/>
+          </a:xfrm>
+        </p:grpSpPr>
+        <p:sp>
+          <p:nvSpPr>
+            <p:cNvPr id="9" name="Pfeil: nach rechts 8">
+              <a:extLst>
+                <a:ext uri="{FF2B5EF4-FFF2-40B4-BE49-F238E27FC236}">
+                  <a16:creationId xmlns:a16="http://schemas.microsoft.com/office/drawing/2014/main" id="{7F59F047-8153-4D32-9788-E6A95AB18C4E}"/>
+                </a:ext>
+              </a:extLst>
+            </p:cNvPr>
+            <p:cNvSpPr/>
+            <p:nvPr/>
+          </p:nvSpPr>
+          <p:spPr>
+            <a:xfrm rot="7811325">
+              <a:off x="5224587" y="2542288"/>
+              <a:ext cx="790229" cy="310393"/>
+            </a:xfrm>
+            <a:prstGeom prst="rightArrow">
+              <a:avLst/>
+            </a:prstGeom>
+          </p:spPr>
+          <p:style>
+            <a:lnRef idx="2">
+              <a:schemeClr val="accent1">
+                <a:shade val="50000"/>
+              </a:schemeClr>
+            </a:lnRef>
+            <a:fillRef idx="1">
+              <a:schemeClr val="accent1"/>
+            </a:fillRef>
+            <a:effectRef idx="0">
+              <a:schemeClr val="accent1"/>
+            </a:effectRef>
+            <a:fontRef idx="minor">
+              <a:schemeClr val="lt1"/>
+            </a:fontRef>
+          </p:style>
+          <p:txBody>
+            <a:bodyPr rtlCol="0" anchor="ctr"/>
+            <a:lstStyle/>
+            <a:p>
+              <a:pPr algn="ctr"/>
+              <a:endParaRPr lang="de-DE"/>
+            </a:p>
+          </p:txBody>
+        </p:sp>
+        <p:sp>
+          <p:nvSpPr>
+            <p:cNvPr id="12" name="Pfeil: nach rechts 11">
+              <a:extLst>
+                <a:ext uri="{FF2B5EF4-FFF2-40B4-BE49-F238E27FC236}">
+                  <a16:creationId xmlns:a16="http://schemas.microsoft.com/office/drawing/2014/main" id="{3BFE5F90-35E1-4EFF-B367-171B7A63DB60}"/>
+                </a:ext>
+              </a:extLst>
+            </p:cNvPr>
+            <p:cNvSpPr/>
+            <p:nvPr/>
+          </p:nvSpPr>
+          <p:spPr>
+            <a:xfrm rot="2902454">
+              <a:off x="6828031" y="2521846"/>
+              <a:ext cx="854415" cy="310393"/>
+            </a:xfrm>
+            <a:prstGeom prst="rightArrow">
+              <a:avLst/>
+            </a:prstGeom>
+          </p:spPr>
+          <p:style>
+            <a:lnRef idx="2">
+              <a:schemeClr val="accent1">
+                <a:shade val="50000"/>
+              </a:schemeClr>
+            </a:lnRef>
+            <a:fillRef idx="1">
+              <a:schemeClr val="accent1"/>
+            </a:fillRef>
+            <a:effectRef idx="0">
+              <a:schemeClr val="accent1"/>
+            </a:effectRef>
+            <a:fontRef idx="minor">
+              <a:schemeClr val="lt1"/>
+            </a:fontRef>
+          </p:style>
+          <p:txBody>
+            <a:bodyPr rtlCol="0" anchor="ctr"/>
+            <a:lstStyle/>
+            <a:p>
+              <a:pPr algn="ctr"/>
+              <a:endParaRPr lang="de-DE"/>
+            </a:p>
+          </p:txBody>
+        </p:sp>
+        <p:sp>
+          <p:nvSpPr>
+            <p:cNvPr id="13" name="Textfeld 12">
+              <a:extLst>
+                <a:ext uri="{FF2B5EF4-FFF2-40B4-BE49-F238E27FC236}">
+                  <a16:creationId xmlns:a16="http://schemas.microsoft.com/office/drawing/2014/main" id="{656EDA97-C98F-43F8-92E8-048D0B4BC798}"/>
+                </a:ext>
+              </a:extLst>
+            </p:cNvPr>
+            <p:cNvSpPr txBox="1"/>
+            <p:nvPr/>
+          </p:nvSpPr>
+          <p:spPr>
+            <a:xfrm>
+              <a:off x="7457682" y="3180417"/>
+              <a:ext cx="1058495" cy="369332"/>
+            </a:xfrm>
+            <a:prstGeom prst="rect">
+              <a:avLst/>
+            </a:prstGeom>
+            <a:noFill/>
+          </p:spPr>
+          <p:txBody>
+            <a:bodyPr wrap="none" rtlCol="0">
+              <a:spAutoFit/>
+            </a:bodyPr>
+            <a:lstStyle/>
+            <a:p>
+              <a:pPr algn="ctr"/>
+              <a:r>
+                <a:rPr lang="de-DE" dirty="0">
+                  <a:solidFill>
+                    <a:schemeClr val="accent6"/>
+                  </a:solidFill>
+                </a:rPr>
+                <a:t>Polymere</a:t>
+              </a:r>
+            </a:p>
+          </p:txBody>
+        </p:sp>
+        <p:sp>
+          <p:nvSpPr>
+            <p:cNvPr id="14" name="Rechteck 13">
+              <a:extLst>
+                <a:ext uri="{FF2B5EF4-FFF2-40B4-BE49-F238E27FC236}">
+                  <a16:creationId xmlns:a16="http://schemas.microsoft.com/office/drawing/2014/main" id="{148FDD78-3F73-42AC-BEFD-DD7430D03A01}"/>
+                </a:ext>
+              </a:extLst>
+            </p:cNvPr>
+            <p:cNvSpPr/>
+            <p:nvPr/>
+          </p:nvSpPr>
+          <p:spPr>
+            <a:xfrm>
+              <a:off x="4445286" y="3961233"/>
+              <a:ext cx="184730" cy="369332"/>
+            </a:xfrm>
+            <a:prstGeom prst="rect">
+              <a:avLst/>
+            </a:prstGeom>
+          </p:spPr>
+          <p:txBody>
+            <a:bodyPr wrap="none">
+              <a:spAutoFit/>
+            </a:bodyPr>
+            <a:lstStyle/>
+            <a:p>
+              <a:pPr algn="ctr"/>
+              <a:endParaRPr lang="de-DE" dirty="0">
+                <a:solidFill>
+                  <a:schemeClr val="accent6"/>
+                </a:solidFill>
+              </a:endParaRPr>
+            </a:p>
+          </p:txBody>
+        </p:sp>
+        <p:sp>
+          <p:nvSpPr>
+            <p:cNvPr id="15" name="Textfeld 14">
+              <a:extLst>
+                <a:ext uri="{FF2B5EF4-FFF2-40B4-BE49-F238E27FC236}">
+                  <a16:creationId xmlns:a16="http://schemas.microsoft.com/office/drawing/2014/main" id="{9F5969B9-ACFE-43CE-97D9-AA6D7835D5AB}"/>
+                </a:ext>
+              </a:extLst>
+            </p:cNvPr>
+            <p:cNvSpPr txBox="1"/>
+            <p:nvPr/>
+          </p:nvSpPr>
+          <p:spPr>
+            <a:xfrm>
+              <a:off x="4579031" y="3200870"/>
+              <a:ext cx="1040670" cy="369332"/>
+            </a:xfrm>
+            <a:prstGeom prst="rect">
+              <a:avLst/>
+            </a:prstGeom>
+            <a:noFill/>
+          </p:spPr>
+          <p:txBody>
+            <a:bodyPr wrap="none" rtlCol="0">
+              <a:spAutoFit/>
+            </a:bodyPr>
+            <a:lstStyle/>
+            <a:p>
+              <a:pPr algn="ctr"/>
+              <a:r>
+                <a:rPr lang="de-DE" dirty="0">
+                  <a:solidFill>
+                    <a:schemeClr val="accent6"/>
+                  </a:solidFill>
+                </a:rPr>
+                <a:t>Moleküle</a:t>
+              </a:r>
+            </a:p>
+          </p:txBody>
+        </p:sp>
+        <p:sp>
+          <p:nvSpPr>
+            <p:cNvPr id="16" name="Textfeld 15">
+              <a:extLst>
+                <a:ext uri="{FF2B5EF4-FFF2-40B4-BE49-F238E27FC236}">
+                  <a16:creationId xmlns:a16="http://schemas.microsoft.com/office/drawing/2014/main" id="{3191E4C0-270D-470F-8470-E41CE41D66FB}"/>
+                </a:ext>
+              </a:extLst>
+            </p:cNvPr>
+            <p:cNvSpPr txBox="1"/>
+            <p:nvPr/>
+          </p:nvSpPr>
+          <p:spPr>
+            <a:xfrm>
+              <a:off x="3503629" y="3961233"/>
+              <a:ext cx="6966459" cy="369332"/>
+            </a:xfrm>
+            <a:prstGeom prst="rect">
+              <a:avLst/>
+            </a:prstGeom>
+            <a:noFill/>
+          </p:spPr>
+          <p:txBody>
+            <a:bodyPr wrap="none" rtlCol="0">
+              <a:spAutoFit/>
+            </a:bodyPr>
+            <a:lstStyle/>
+            <a:p>
+              <a:r>
+                <a:rPr lang="de-DE" dirty="0"/>
+                <a:t>Soll ich hier noch eine Abbildung von Polymer und Polymere reinpacken?</a:t>
+              </a:r>
+            </a:p>
+          </p:txBody>
+        </p:sp>
+      </p:grpSp>
+    </p:spTree>
+    <p:extLst>
+      <p:ext uri="{BB962C8B-B14F-4D97-AF65-F5344CB8AC3E}">
+        <p14:creationId xmlns:p14="http://schemas.microsoft.com/office/powerpoint/2010/main" val="2040595597"/>
+      </p:ext>
+    </p:extLst>
+  </p:cSld>
+  <p:clrMapOvr>
+    <a:masterClrMapping/>
+  </p:clrMapOvr>
+</p:sld>
+</file>
+
+<file path=ppt/slides/slide9.xml><?xml version="1.0" encoding="utf-8"?>
+<p:sld xmlns:a="http://schemas.openxmlformats.org/drawingml/2006/main" xmlns:r="http://schemas.openxmlformats.org/officeDocument/2006/relationships" xmlns:p="http://schemas.openxmlformats.org/presentationml/2006/main">
+  <p:cSld>
+    <p:spTree>
+      <p:nvGrpSpPr>
+        <p:cNvPr id="1" name=""/>
+        <p:cNvGrpSpPr/>
+        <p:nvPr/>
+      </p:nvGrpSpPr>
+      <p:grpSpPr>
+        <a:xfrm>
+          <a:off x="0" y="0"/>
+          <a:ext cx="0" cy="0"/>
+          <a:chOff x="0" y="0"/>
+          <a:chExt cx="0" cy="0"/>
+        </a:xfrm>
+      </p:grpSpPr>
+      <p:sp>
+        <p:nvSpPr>
+          <p:cNvPr id="2" name="Titel 1">
+            <a:extLst>
+              <a:ext uri="{FF2B5EF4-FFF2-40B4-BE49-F238E27FC236}">
+                <a16:creationId xmlns:a16="http://schemas.microsoft.com/office/drawing/2014/main" id="{979418BF-D92D-4DF0-9998-AE978177731B}"/>
+              </a:ext>
+            </a:extLst>
+          </p:cNvPr>
+          <p:cNvSpPr>
+            <a:spLocks noGrp="1"/>
+          </p:cNvSpPr>
+          <p:nvPr>
+            <p:ph type="title"/>
+          </p:nvPr>
+        </p:nvSpPr>
+        <p:spPr/>
+        <p:txBody>
+          <a:bodyPr/>
+          <a:lstStyle/>
+          <a:p>
+            <a:pPr algn="ctr"/>
+            <a:r>
+              <a:rPr lang="de-DE" dirty="0"/>
+              <a:t>Organische Halbleiter</a:t>
+            </a:r>
+          </a:p>
+        </p:txBody>
+      </p:sp>
+      <p:sp>
+        <p:nvSpPr>
+          <p:cNvPr id="3" name="Inhaltsplatzhalter 2">
+            <a:extLst>
+              <a:ext uri="{FF2B5EF4-FFF2-40B4-BE49-F238E27FC236}">
+                <a16:creationId xmlns:a16="http://schemas.microsoft.com/office/drawing/2014/main" id="{8113EA12-F133-49A1-88C7-4046ACB8CD0D}"/>
+              </a:ext>
+            </a:extLst>
+          </p:cNvPr>
+          <p:cNvSpPr>
+            <a:spLocks noGrp="1"/>
+          </p:cNvSpPr>
+          <p:nvPr>
+            <p:ph idx="1"/>
+          </p:nvPr>
+        </p:nvSpPr>
+        <p:spPr/>
+        <p:txBody>
+          <a:bodyPr/>
+          <a:lstStyle/>
+          <a:p>
+            <a:r>
+              <a:rPr lang="de-DE" dirty="0"/>
+              <a:t>Van der Waals gebunden</a:t>
+            </a:r>
+          </a:p>
+          <a:p>
+            <a:endParaRPr lang="de-DE" dirty="0">
+              <a:ea typeface="Cambria Math" panose="02040503050406030204" pitchFamily="18" charset="0"/>
+            </a:endParaRPr>
+          </a:p>
+          <a:p>
+            <a:r>
+              <a:rPr lang="de-DE" b="0" dirty="0">
+                <a:ea typeface="Cambria Math" panose="02040503050406030204" pitchFamily="18" charset="0"/>
+              </a:rPr>
+              <a:t>Valenzband   --  </a:t>
+            </a:r>
+            <a:r>
+              <a:rPr lang="de-DE" b="1" dirty="0" err="1"/>
+              <a:t>H</a:t>
+            </a:r>
+            <a:r>
+              <a:rPr lang="de-DE" dirty="0" err="1"/>
+              <a:t>ighest</a:t>
+            </a:r>
+            <a:r>
+              <a:rPr lang="de-DE" dirty="0"/>
+              <a:t> </a:t>
+            </a:r>
+            <a:r>
+              <a:rPr lang="de-DE" b="1" dirty="0" err="1"/>
+              <a:t>O</a:t>
+            </a:r>
+            <a:r>
+              <a:rPr lang="de-DE" dirty="0" err="1"/>
+              <a:t>ccupied</a:t>
+            </a:r>
+            <a:r>
+              <a:rPr lang="de-DE" dirty="0"/>
+              <a:t> </a:t>
+            </a:r>
+            <a:r>
+              <a:rPr lang="de-DE" b="1" dirty="0" err="1"/>
+              <a:t>M</a:t>
+            </a:r>
+            <a:r>
+              <a:rPr lang="de-DE" dirty="0" err="1"/>
+              <a:t>olecular</a:t>
+            </a:r>
+            <a:r>
+              <a:rPr lang="de-DE" dirty="0"/>
+              <a:t> </a:t>
+            </a:r>
+            <a:r>
+              <a:rPr lang="de-DE" b="1" dirty="0"/>
+              <a:t>O</a:t>
+            </a:r>
+            <a:r>
+              <a:rPr lang="de-DE" dirty="0"/>
+              <a:t>rbital   (HOMO)</a:t>
+            </a:r>
+            <a:endParaRPr lang="de-DE" b="0" dirty="0">
+              <a:ea typeface="Cambria Math" panose="02040503050406030204" pitchFamily="18" charset="0"/>
+            </a:endParaRPr>
+          </a:p>
+          <a:p>
+            <a:pPr marL="0" indent="0">
+              <a:buNone/>
+            </a:pPr>
+            <a:r>
+              <a:rPr lang="de-DE" b="0" dirty="0">
+                <a:ea typeface="Cambria Math" panose="02040503050406030204" pitchFamily="18" charset="0"/>
+              </a:rPr>
+              <a:t>   </a:t>
+            </a:r>
+          </a:p>
+          <a:p>
+            <a:pPr marL="0" indent="0">
+              <a:buNone/>
+            </a:pPr>
+            <a:endParaRPr lang="de-DE" dirty="0">
+              <a:ea typeface="Cambria Math" panose="02040503050406030204" pitchFamily="18" charset="0"/>
+            </a:endParaRPr>
+          </a:p>
+          <a:p>
+            <a:r>
+              <a:rPr lang="de-DE" b="0" dirty="0">
+                <a:ea typeface="Cambria Math" panose="02040503050406030204" pitchFamily="18" charset="0"/>
+              </a:rPr>
+              <a:t>Leitungsband --</a:t>
+            </a:r>
+            <a:r>
+              <a:rPr lang="de-DE" dirty="0">
+                <a:ea typeface="Cambria Math" panose="02040503050406030204" pitchFamily="18" charset="0"/>
+                <a:sym typeface="Wingdings" panose="05000000000000000000" pitchFamily="2" charset="2"/>
+              </a:rPr>
+              <a:t>  </a:t>
+            </a:r>
+            <a:r>
+              <a:rPr lang="de-DE" b="1" dirty="0" err="1"/>
+              <a:t>L</a:t>
+            </a:r>
+            <a:r>
+              <a:rPr lang="de-DE" dirty="0" err="1"/>
+              <a:t>owest</a:t>
+            </a:r>
+            <a:r>
+              <a:rPr lang="de-DE" dirty="0"/>
+              <a:t> </a:t>
+            </a:r>
+            <a:r>
+              <a:rPr lang="de-DE" b="1" dirty="0" err="1"/>
+              <a:t>U</a:t>
+            </a:r>
+            <a:r>
+              <a:rPr lang="de-DE" dirty="0" err="1"/>
+              <a:t>noccupied</a:t>
+            </a:r>
+            <a:r>
+              <a:rPr lang="de-DE" dirty="0"/>
+              <a:t> </a:t>
+            </a:r>
+            <a:r>
+              <a:rPr lang="de-DE" b="1" dirty="0" err="1"/>
+              <a:t>M</a:t>
+            </a:r>
+            <a:r>
+              <a:rPr lang="de-DE" dirty="0" err="1"/>
+              <a:t>olecular</a:t>
+            </a:r>
+            <a:r>
+              <a:rPr lang="de-DE" i="1" dirty="0"/>
+              <a:t> </a:t>
+            </a:r>
+            <a:r>
+              <a:rPr lang="de-DE" b="1" dirty="0"/>
+              <a:t>O</a:t>
+            </a:r>
+            <a:r>
+              <a:rPr lang="de-DE" dirty="0"/>
+              <a:t>rbital</a:t>
+            </a:r>
+            <a:r>
+              <a:rPr lang="de-DE" i="1" dirty="0"/>
+              <a:t>   </a:t>
+            </a:r>
+            <a:r>
+              <a:rPr lang="de-DE" dirty="0"/>
+              <a:t>(LUMO)</a:t>
+            </a:r>
+          </a:p>
+          <a:p>
+            <a:pPr marL="0" indent="0">
+              <a:buNone/>
+            </a:pPr>
+            <a:br>
+              <a:rPr lang="de-DE" b="0" dirty="0">
+                <a:ea typeface="Cambria Math" panose="02040503050406030204" pitchFamily="18" charset="0"/>
+              </a:rPr>
+            </a:br>
+            <a:endParaRPr lang="de-DE" dirty="0"/>
+          </a:p>
+          <a:p>
+            <a:endParaRPr lang="de-DE" dirty="0"/>
+          </a:p>
+        </p:txBody>
+      </p:sp>
+      <p:sp>
+        <p:nvSpPr>
+          <p:cNvPr id="4" name="Foliennummernplatzhalter 3">
+            <a:extLst>
+              <a:ext uri="{FF2B5EF4-FFF2-40B4-BE49-F238E27FC236}">
+                <a16:creationId xmlns:a16="http://schemas.microsoft.com/office/drawing/2014/main" id="{3A5989DD-6F0B-46DD-8006-0A3B2CA62510}"/>
+              </a:ext>
+            </a:extLst>
+          </p:cNvPr>
+          <p:cNvSpPr>
+            <a:spLocks noGrp="1"/>
+          </p:cNvSpPr>
+          <p:nvPr>
+            <p:ph type="sldNum" sz="quarter" idx="12"/>
+          </p:nvPr>
+        </p:nvSpPr>
+        <p:spPr/>
+        <p:txBody>
+          <a:bodyPr/>
+          <a:lstStyle/>
+          <a:p>
+            <a:fld id="{71766878-3199-4EAB-94E7-2D6D11070E14}" type="slidenum">
+              <a:rPr lang="en-US" smtClean="0"/>
+              <a:t>9</a:t>
+            </a:fld>
+            <a:endParaRPr lang="en-US" dirty="0"/>
+          </a:p>
+        </p:txBody>
+      </p:sp>
+      <p:sp>
+        <p:nvSpPr>
+          <p:cNvPr id="5" name="Fußzeilenplatzhalter 4">
+            <a:extLst>
+              <a:ext uri="{FF2B5EF4-FFF2-40B4-BE49-F238E27FC236}">
+                <a16:creationId xmlns:a16="http://schemas.microsoft.com/office/drawing/2014/main" id="{0EEB4B90-953F-4029-AF6B-C7B3EF276927}"/>
+              </a:ext>
+            </a:extLst>
+          </p:cNvPr>
+          <p:cNvSpPr>
+            <a:spLocks noGrp="1"/>
+          </p:cNvSpPr>
+          <p:nvPr>
+            <p:ph type="ftr" sz="quarter" idx="11"/>
+          </p:nvPr>
         </p:nvSpPr>
         <p:spPr>
           <a:xfrm>
-            <a:off x="2717800" y="2908300"/>
-            <a:ext cx="1587500" cy="863600"/>
+            <a:off x="1962088" y="6252061"/>
+            <a:ext cx="9002598" cy="447108"/>
+          </a:xfrm>
+        </p:spPr>
+        <p:txBody>
+          <a:bodyPr/>
+          <a:lstStyle/>
+          <a:p>
+            <a:r>
+              <a:rPr lang="en-US" dirty="0"/>
+              <a:t>1. Physics of Organic Semiconductors, Wolfgang </a:t>
+            </a:r>
+            <a:r>
+              <a:rPr lang="en-US" dirty="0" err="1"/>
+              <a:t>Brütting</a:t>
+            </a:r>
+            <a:r>
+              <a:rPr lang="en-US" dirty="0"/>
+              <a:t>, 2005, Wiley-VCH</a:t>
+            </a:r>
+          </a:p>
+          <a:p>
+            <a:r>
+              <a:rPr lang="en-US" dirty="0"/>
+              <a:t>2. Molecular Orbital Analysis of Ethene </a:t>
+            </a:r>
+            <a:r>
+              <a:rPr lang="en-US" dirty="0" err="1"/>
+              <a:t>Dimerisation</a:t>
+            </a:r>
+            <a:r>
+              <a:rPr lang="en-US" dirty="0"/>
+              <a:t>, Dr. Ian Hunt, http://www.chem.ucalgary.ca/courses/351/Carey5th/Ch10/ch10-6-4.html</a:t>
+            </a:r>
+          </a:p>
+        </p:txBody>
+      </p:sp>
+      <p:pic>
+        <p:nvPicPr>
+          <p:cNvPr id="7" name="Grafik 6">
+            <a:extLst>
+              <a:ext uri="{FF2B5EF4-FFF2-40B4-BE49-F238E27FC236}">
+                <a16:creationId xmlns:a16="http://schemas.microsoft.com/office/drawing/2014/main" id="{F8C9E575-CBF9-4DA9-BA8B-FDDC2912BE33}"/>
+              </a:ext>
+            </a:extLst>
+          </p:cNvPr>
+          <p:cNvPicPr>
+            <a:picLocks noChangeAspect="1"/>
+          </p:cNvPicPr>
+          <p:nvPr/>
+        </p:nvPicPr>
+        <p:blipFill>
+          <a:blip r:embed="rId2"/>
+          <a:stretch>
+            <a:fillRect/>
+          </a:stretch>
+        </p:blipFill>
+        <p:spPr>
+          <a:xfrm>
+            <a:off x="8581921" y="1802947"/>
+            <a:ext cx="3103345" cy="3603918"/>
           </a:xfrm>
           <a:prstGeom prst="rect">
             <a:avLst/>
           </a:prstGeom>
         </p:spPr>
-        <p:style>
-          <a:lnRef idx="2">
-            <a:schemeClr val="accent1">
-              <a:shade val="50000"/>
-            </a:schemeClr>
-          </a:lnRef>
-          <a:fillRef idx="1">
-            <a:schemeClr val="accent1"/>
-          </a:fillRef>
-          <a:effectRef idx="0">
-            <a:schemeClr val="accent1"/>
-          </a:effectRef>
-          <a:fontRef idx="minor">
-            <a:schemeClr val="lt1"/>
-          </a:fontRef>
-        </p:style>
-        <p:txBody>
-          <a:bodyPr rtlCol="0" anchor="ctr"/>
-          <a:lstStyle/>
-          <a:p>
-            <a:pPr algn="ctr"/>
-            <a:endParaRPr lang="de-DE"/>
-          </a:p>
-        </p:txBody>
-      </p:sp>
-      <p:sp>
-        <p:nvSpPr>
-          <p:cNvPr id="6" name="Rechteck 5">
+      </p:pic>
+      <p:sp>
+        <p:nvSpPr>
+          <p:cNvPr id="8" name="Textfeld 7">
             <a:extLst>
               <a:ext uri="{FF2B5EF4-FFF2-40B4-BE49-F238E27FC236}">
-                <a16:creationId xmlns:a16="http://schemas.microsoft.com/office/drawing/2014/main" id="{93D4164D-2B32-4E1B-8D6B-1C3BBE57EB2A}"/>
+                <a16:creationId xmlns:a16="http://schemas.microsoft.com/office/drawing/2014/main" id="{8518DFD1-99EA-46C1-8414-01138148EC5C}"/>
               </a:ext>
             </a:extLst>
           </p:cNvPr>
-          <p:cNvSpPr/>
+          <p:cNvSpPr txBox="1"/>
           <p:nvPr/>
         </p:nvSpPr>
         <p:spPr>
           <a:xfrm>
-            <a:off x="5194298" y="2895600"/>
-            <a:ext cx="1384300" cy="863600"/>
+            <a:off x="9184456" y="5478435"/>
+            <a:ext cx="1898277" cy="646331"/>
           </a:xfrm>
           <a:prstGeom prst="rect">
             <a:avLst/>
           </a:prstGeom>
-          <a:solidFill>
-            <a:schemeClr val="accent2"/>
-          </a:solidFill>
+          <a:noFill/>
         </p:spPr>
-        <p:style>
-          <a:lnRef idx="2">
-            <a:schemeClr val="accent1">
-              <a:shade val="50000"/>
-            </a:schemeClr>
-          </a:lnRef>
-          <a:fillRef idx="1">
-            <a:schemeClr val="accent1"/>
-          </a:fillRef>
-          <a:effectRef idx="0">
-            <a:schemeClr val="accent1"/>
-          </a:effectRef>
-          <a:fontRef idx="minor">
-            <a:schemeClr val="lt1"/>
-          </a:fontRef>
-        </p:style>
-        <p:txBody>
-          <a:bodyPr rtlCol="0" anchor="ctr"/>
+        <p:txBody>
+          <a:bodyPr wrap="none" rtlCol="0">
+            <a:spAutoFit/>
+          </a:bodyPr>
           <a:lstStyle/>
           <a:p>
-            <a:pPr algn="ctr"/>
-            <a:endParaRPr lang="de-DE">
-              <a:solidFill>
-                <a:schemeClr val="accent2"/>
-              </a:solidFill>
-            </a:endParaRPr>
-          </a:p>
-        </p:txBody>
-      </p:sp>
-      <p:sp>
-        <p:nvSpPr>
-          <p:cNvPr id="7" name="Rechteck 6">
-            <a:extLst>
-              <a:ext uri="{FF2B5EF4-FFF2-40B4-BE49-F238E27FC236}">
-                <a16:creationId xmlns:a16="http://schemas.microsoft.com/office/drawing/2014/main" id="{58D249E0-8658-429D-B5FB-7D56C1747F5C}"/>
-              </a:ext>
-            </a:extLst>
-          </p:cNvPr>
-          <p:cNvSpPr/>
-          <p:nvPr/>
-        </p:nvSpPr>
-        <p:spPr>
-          <a:xfrm>
-            <a:off x="7797800" y="3225800"/>
-            <a:ext cx="2032000" cy="863600"/>
-          </a:xfrm>
-          <a:prstGeom prst="rect">
-            <a:avLst/>
-          </a:prstGeom>
-          <a:solidFill>
-            <a:schemeClr val="accent3"/>
-          </a:solidFill>
-        </p:spPr>
-        <p:style>
-          <a:lnRef idx="2">
-            <a:schemeClr val="accent1">
-              <a:shade val="50000"/>
-            </a:schemeClr>
-          </a:lnRef>
-          <a:fillRef idx="1">
-            <a:schemeClr val="accent1"/>
-          </a:fillRef>
-          <a:effectRef idx="0">
-            <a:schemeClr val="accent1"/>
-          </a:effectRef>
-          <a:fontRef idx="minor">
-            <a:schemeClr val="lt1"/>
-          </a:fontRef>
-        </p:style>
-        <p:txBody>
-          <a:bodyPr rtlCol="0" anchor="ctr"/>
-          <a:lstStyle/>
-          <a:p>
-            <a:pPr algn="ctr"/>
-            <a:endParaRPr lang="de-DE"/>
-          </a:p>
-        </p:txBody>
-      </p:sp>
-      <p:sp>
-        <p:nvSpPr>
-          <p:cNvPr id="8" name="Rechteck 7">
-            <a:extLst>
-              <a:ext uri="{FF2B5EF4-FFF2-40B4-BE49-F238E27FC236}">
-                <a16:creationId xmlns:a16="http://schemas.microsoft.com/office/drawing/2014/main" id="{59360E2C-8EDE-4A28-BC86-34630DD4D1F8}"/>
-              </a:ext>
-            </a:extLst>
-          </p:cNvPr>
-          <p:cNvSpPr/>
-          <p:nvPr/>
-        </p:nvSpPr>
-        <p:spPr>
-          <a:xfrm>
-            <a:off x="2717800" y="4851400"/>
-            <a:ext cx="1968500" cy="1028192"/>
-          </a:xfrm>
-          <a:prstGeom prst="rect">
-            <a:avLst/>
-          </a:prstGeom>
-          <a:solidFill>
-            <a:schemeClr val="accent4"/>
-          </a:solidFill>
-        </p:spPr>
-        <p:style>
-          <a:lnRef idx="2">
-            <a:schemeClr val="accent1">
-              <a:shade val="50000"/>
-            </a:schemeClr>
-          </a:lnRef>
-          <a:fillRef idx="1">
-            <a:schemeClr val="accent1"/>
-          </a:fillRef>
-          <a:effectRef idx="0">
-            <a:schemeClr val="accent1"/>
-          </a:effectRef>
-          <a:fontRef idx="minor">
-            <a:schemeClr val="lt1"/>
-          </a:fontRef>
-        </p:style>
-        <p:txBody>
-          <a:bodyPr rtlCol="0" anchor="ctr"/>
-          <a:lstStyle/>
-          <a:p>
-            <a:pPr algn="ctr"/>
-            <a:endParaRPr lang="de-DE"/>
-          </a:p>
-        </p:txBody>
-      </p:sp>
-      <p:sp>
-        <p:nvSpPr>
-          <p:cNvPr id="9" name="Rechteck 8">
-            <a:extLst>
-              <a:ext uri="{FF2B5EF4-FFF2-40B4-BE49-F238E27FC236}">
-                <a16:creationId xmlns:a16="http://schemas.microsoft.com/office/drawing/2014/main" id="{E8334815-D123-450B-AC30-D175115D0E23}"/>
-              </a:ext>
-            </a:extLst>
-          </p:cNvPr>
-          <p:cNvSpPr/>
-          <p:nvPr/>
-        </p:nvSpPr>
-        <p:spPr>
-          <a:xfrm>
-            <a:off x="6096000" y="4851400"/>
-            <a:ext cx="1409702" cy="863600"/>
-          </a:xfrm>
-          <a:prstGeom prst="rect">
-            <a:avLst/>
-          </a:prstGeom>
-          <a:solidFill>
-            <a:schemeClr val="accent5"/>
-          </a:solidFill>
-        </p:spPr>
-        <p:style>
-          <a:lnRef idx="2">
-            <a:schemeClr val="accent1">
-              <a:shade val="50000"/>
-            </a:schemeClr>
-          </a:lnRef>
-          <a:fillRef idx="1">
-            <a:schemeClr val="accent1"/>
-          </a:fillRef>
-          <a:effectRef idx="0">
-            <a:schemeClr val="accent1"/>
-          </a:effectRef>
-          <a:fontRef idx="minor">
-            <a:schemeClr val="lt1"/>
-          </a:fontRef>
-        </p:style>
-        <p:txBody>
-          <a:bodyPr rtlCol="0" anchor="ctr"/>
-          <a:lstStyle/>
-          <a:p>
-            <a:pPr algn="ctr"/>
-            <a:endParaRPr lang="de-DE"/>
+            <a:r>
+              <a:rPr lang="de-DE" dirty="0"/>
+              <a:t>HOMO &amp; LUMO </a:t>
+            </a:r>
+          </a:p>
+          <a:p>
+            <a:r>
+              <a:rPr lang="de-DE" dirty="0"/>
+              <a:t>von Ethene</a:t>
+            </a:r>
+            <a:r>
+              <a:rPr lang="de-DE" baseline="30000" dirty="0"/>
+              <a:t>2</a:t>
+            </a:r>
+            <a:r>
+              <a:rPr lang="de-DE" dirty="0"/>
+              <a:t> </a:t>
+            </a:r>
           </a:p>
         </p:txBody>
       </p:sp>
     </p:spTree>
     <p:extLst>
       <p:ext uri="{BB962C8B-B14F-4D97-AF65-F5344CB8AC3E}">
-        <p14:creationId xmlns:p14="http://schemas.microsoft.com/office/powerpoint/2010/main" val="892804789"/>
+        <p14:creationId xmlns:p14="http://schemas.microsoft.com/office/powerpoint/2010/main" val="1606939218"/>
       </p:ext>
     </p:extLst>
   </p:cSld>
